--- a/Doc/day3_1_WritingCorrectAndUnderstandableCode.pptx
+++ b/Doc/day3_1_WritingCorrectAndUnderstandableCode.pptx
@@ -5,7 +5,7 @@
     <p:sldMasterId id="2147483648" r:id="rId1"/>
   </p:sldMasterIdLst>
   <p:notesMasterIdLst>
-    <p:notesMasterId r:id="rId30"/>
+    <p:notesMasterId r:id="rId27"/>
   </p:notesMasterIdLst>
   <p:sldIdLst>
     <p:sldId id="256" r:id="rId2"/>
@@ -15,32 +15,29 @@
     <p:sldId id="416" r:id="rId6"/>
     <p:sldId id="371" r:id="rId7"/>
     <p:sldId id="417" r:id="rId8"/>
-    <p:sldId id="447" r:id="rId9"/>
-    <p:sldId id="418" r:id="rId10"/>
-    <p:sldId id="431" r:id="rId11"/>
-    <p:sldId id="442" r:id="rId12"/>
-    <p:sldId id="441" r:id="rId13"/>
-    <p:sldId id="443" r:id="rId14"/>
-    <p:sldId id="420" r:id="rId15"/>
-    <p:sldId id="425" r:id="rId16"/>
-    <p:sldId id="446" r:id="rId17"/>
-    <p:sldId id="427" r:id="rId18"/>
-    <p:sldId id="428" r:id="rId19"/>
-    <p:sldId id="429" r:id="rId20"/>
-    <p:sldId id="430" r:id="rId21"/>
-    <p:sldId id="448" r:id="rId22"/>
-    <p:sldId id="422" r:id="rId23"/>
-    <p:sldId id="440" r:id="rId24"/>
-    <p:sldId id="426" r:id="rId25"/>
-    <p:sldId id="433" r:id="rId26"/>
-    <p:sldId id="423" r:id="rId27"/>
-    <p:sldId id="437" r:id="rId28"/>
-    <p:sldId id="438" r:id="rId29"/>
+    <p:sldId id="418" r:id="rId9"/>
+    <p:sldId id="431" r:id="rId10"/>
+    <p:sldId id="441" r:id="rId11"/>
+    <p:sldId id="443" r:id="rId12"/>
+    <p:sldId id="420" r:id="rId13"/>
+    <p:sldId id="425" r:id="rId14"/>
+    <p:sldId id="446" r:id="rId15"/>
+    <p:sldId id="427" r:id="rId16"/>
+    <p:sldId id="428" r:id="rId17"/>
+    <p:sldId id="429" r:id="rId18"/>
+    <p:sldId id="430" r:id="rId19"/>
+    <p:sldId id="422" r:id="rId20"/>
+    <p:sldId id="440" r:id="rId21"/>
+    <p:sldId id="426" r:id="rId22"/>
+    <p:sldId id="433" r:id="rId23"/>
+    <p:sldId id="423" r:id="rId24"/>
+    <p:sldId id="437" r:id="rId25"/>
+    <p:sldId id="438" r:id="rId26"/>
   </p:sldIdLst>
   <p:sldSz cx="9144000" cy="6858000" type="screen4x3"/>
   <p:notesSz cx="6858000" cy="9144000"/>
   <p:custDataLst>
-    <p:tags r:id="rId31"/>
+    <p:tags r:id="rId28"/>
   </p:custDataLst>
   <p:defaultTextStyle>
     <a:defPPr>
@@ -1782,7 +1779,7 @@
         <a:p>
           <a:r>
             <a:rPr lang="en-CA" dirty="0"/>
-            <a:t>2021-05-05_ExperimentName</a:t>
+            <a:t>2022-05-05_ExperimentName</a:t>
           </a:r>
         </a:p>
       </dgm:t>
@@ -1890,7 +1887,7 @@
         <a:p>
           <a:r>
             <a:rPr lang="en-CA" dirty="0"/>
-            <a:t>2021-10-29_ExperimentName</a:t>
+            <a:t>2022-10-29_ExperimentName</a:t>
           </a:r>
         </a:p>
       </dgm:t>
@@ -3903,7 +3900,7 @@
           </a:pPr>
           <a:r>
             <a:rPr lang="en-CA" sz="1100" kern="1200" dirty="0"/>
-            <a:t>2021-05-05_ExperimentName</a:t>
+            <a:t>2022-05-05_ExperimentName</a:t>
           </a:r>
         </a:p>
       </dsp:txBody>
@@ -4039,7 +4036,7 @@
           </a:pPr>
           <a:r>
             <a:rPr lang="en-CA" sz="1100" kern="1200" dirty="0"/>
-            <a:t>2021-10-29_ExperimentName</a:t>
+            <a:t>2022-10-29_ExperimentName</a:t>
           </a:r>
         </a:p>
       </dsp:txBody>
@@ -8030,7 +8027,7 @@
             <a:fld id="{A6E16264-6225-448A-8F6B-37C607BF693C}" type="datetimeFigureOut">
               <a:rPr lang="en-CA" smtClean="0"/>
               <a:pPr/>
-              <a:t>2021-05-05</a:t>
+              <a:t>2022-05-25</a:t>
             </a:fld>
             <a:endParaRPr lang="en-CA"/>
           </a:p>
@@ -8481,7 +8478,7 @@
             <a:fld id="{E843F943-FC4A-4610-812B-19459293E20B}" type="datetime1">
               <a:rPr lang="en-CA" smtClean="0"/>
               <a:pPr/>
-              <a:t>2021-05-05</a:t>
+              <a:t>2022-05-25</a:t>
             </a:fld>
             <a:endParaRPr lang="en-CA" dirty="0"/>
           </a:p>
@@ -8780,7 +8777,7 @@
             <a:fld id="{7EC20259-AFA4-42BB-B1F2-1723D3175E09}" type="datetime1">
               <a:rPr lang="en-CA" smtClean="0"/>
               <a:pPr/>
-              <a:t>2021-05-05</a:t>
+              <a:t>2022-05-25</a:t>
             </a:fld>
             <a:endParaRPr lang="en-CA"/>
           </a:p>
@@ -8808,7 +8805,7 @@
           <a:p>
             <a:r>
               <a:rPr lang="en-US" dirty="0"/>
-              <a:t>Laboratory for Percutaneous Surgery (The Perk Lab) – Copyright © Queen’s University, 2021</a:t>
+              <a:t>Laboratory for Percutaneous Surgery (The Perk Lab) – Copyright © Queen’s University, 2022</a:t>
             </a:r>
           </a:p>
         </p:txBody>
@@ -8984,7 +8981,7 @@
             <a:fld id="{7EC20259-AFA4-42BB-B1F2-1723D3175E09}" type="datetime1">
               <a:rPr lang="en-CA" smtClean="0"/>
               <a:pPr/>
-              <a:t>2021-05-05</a:t>
+              <a:t>2022-05-25</a:t>
             </a:fld>
             <a:endParaRPr lang="en-CA"/>
           </a:p>
@@ -9012,7 +9009,7 @@
           <a:p>
             <a:r>
               <a:rPr lang="en-US" dirty="0"/>
-              <a:t>Laboratory for Percutaneous Surgery (The Perk Lab) – Copyright © Queen’s University, 2021</a:t>
+              <a:t>Laboratory for Percutaneous Surgery (The Perk Lab) – Copyright © Queen’s University, 2022</a:t>
             </a:r>
           </a:p>
         </p:txBody>
@@ -9266,7 +9263,7 @@
             <a:fld id="{0B273A97-7724-4AE7-A6F1-5A1F5D1DB72A}" type="datetime1">
               <a:rPr lang="en-CA" smtClean="0"/>
               <a:pPr/>
-              <a:t>2021-05-05</a:t>
+              <a:t>2022-05-25</a:t>
             </a:fld>
             <a:endParaRPr lang="en-CA"/>
           </a:p>
@@ -9307,7 +9304,7 @@
           <a:p>
             <a:r>
               <a:rPr lang="en-CA" dirty="0"/>
-              <a:t>Laboratory for Percutaneous Surgery (The Perk Lab) – Copyright © Queen’s University, 2021</a:t>
+              <a:t>Laboratory for Percutaneous Surgery (The Perk Lab) – Copyright © Queen’s University, 2022</a:t>
             </a:r>
           </a:p>
         </p:txBody>
@@ -9885,7 +9882,7 @@
             </a:pPr>
             <a:r>
               <a:rPr lang="en-US" dirty="0"/>
-              <a:t>Laboratory for Percutaneous Surgery (The Perk Lab) – Copyright © Queen’s University, 2021</a:t>
+              <a:t>Laboratory for Percutaneous Surgery (The Perk Lab) – Copyright © Queen’s University, 2022</a:t>
             </a:r>
           </a:p>
         </p:txBody>
@@ -9990,6 +9987,175 @@
       </p:pic>
       <p:sp>
         <p:nvSpPr>
+          <p:cNvPr id="14" name="Rectangle 13"/>
+          <p:cNvSpPr/>
+          <p:nvPr/>
+        </p:nvSpPr>
+        <p:spPr>
+          <a:xfrm>
+            <a:off x="395536" y="3573016"/>
+            <a:ext cx="5616624" cy="1815882"/>
+          </a:xfrm>
+          <a:prstGeom prst="rect">
+            <a:avLst/>
+          </a:prstGeom>
+          <a:solidFill>
+            <a:schemeClr val="bg2"/>
+          </a:solidFill>
+        </p:spPr>
+        <p:txBody>
+          <a:bodyPr wrap="square">
+            <a:spAutoFit/>
+          </a:bodyPr>
+          <a:lstStyle/>
+          <a:p>
+            <a:pPr marL="177800" indent="-177800"/>
+            <a:r>
+              <a:rPr lang="en-CA" sz="1400" dirty="0"/>
+              <a:t>char *</a:t>
+            </a:r>
+            <a:r>
+              <a:rPr lang="en-CA" sz="1400" dirty="0" err="1"/>
+              <a:t>sourcePtr</a:t>
+            </a:r>
+            <a:r>
+              <a:rPr lang="en-CA" sz="1400" dirty="0"/>
+              <a:t> = </a:t>
+            </a:r>
+            <a:r>
+              <a:rPr lang="en-CA" sz="1400" dirty="0" err="1"/>
+              <a:t>str</a:t>
+            </a:r>
+            <a:r>
+              <a:rPr lang="en-CA" sz="1400" dirty="0"/>
+              <a:t>;</a:t>
+            </a:r>
+          </a:p>
+          <a:p>
+            <a:pPr marL="177800" indent="-177800"/>
+            <a:r>
+              <a:rPr lang="en-CA" sz="1400" dirty="0"/>
+              <a:t>char *</a:t>
+            </a:r>
+            <a:r>
+              <a:rPr lang="en-CA" sz="1400" dirty="0" err="1"/>
+              <a:t>destinationPtr</a:t>
+            </a:r>
+            <a:r>
+              <a:rPr lang="en-CA" sz="1400" dirty="0"/>
+              <a:t> = </a:t>
+            </a:r>
+            <a:r>
+              <a:rPr lang="en-CA" sz="1400" dirty="0" err="1"/>
+              <a:t>str+strlen</a:t>
+            </a:r>
+            <a:r>
+              <a:rPr lang="en-CA" sz="1400" dirty="0"/>
+              <a:t>(</a:t>
+            </a:r>
+            <a:r>
+              <a:rPr lang="en-CA" sz="1400" dirty="0" err="1"/>
+              <a:t>str</a:t>
+            </a:r>
+            <a:r>
+              <a:rPr lang="en-CA" sz="1400" dirty="0"/>
+              <a:t>)-1;</a:t>
+            </a:r>
+          </a:p>
+          <a:p>
+            <a:pPr marL="177800" indent="-177800"/>
+            <a:r>
+              <a:rPr lang="en-CA" sz="1400" dirty="0"/>
+              <a:t>while (</a:t>
+            </a:r>
+            <a:r>
+              <a:rPr lang="en-CA" sz="1400" dirty="0" err="1"/>
+              <a:t>sourcePointer</a:t>
+            </a:r>
+            <a:r>
+              <a:rPr lang="en-CA" sz="1400" dirty="0"/>
+              <a:t>&lt;</a:t>
+            </a:r>
+            <a:r>
+              <a:rPr lang="en-CA" sz="1400" dirty="0" err="1"/>
+              <a:t>destinationPtr</a:t>
+            </a:r>
+            <a:r>
+              <a:rPr lang="en-CA" sz="1400" dirty="0"/>
+              <a:t>)</a:t>
+            </a:r>
+          </a:p>
+          <a:p>
+            <a:pPr marL="177800" indent="-177800"/>
+            <a:r>
+              <a:rPr lang="en-CA" sz="1400" dirty="0"/>
+              <a:t>{</a:t>
+            </a:r>
+          </a:p>
+          <a:p>
+            <a:pPr marL="177800" indent="-177800"/>
+            <a:r>
+              <a:rPr lang="en-CA" sz="1400" dirty="0"/>
+              <a:t>    swap(</a:t>
+            </a:r>
+            <a:r>
+              <a:rPr lang="en-CA" sz="1400" dirty="0" err="1"/>
+              <a:t>sourcePtr</a:t>
+            </a:r>
+            <a:r>
+              <a:rPr lang="en-CA" sz="1400" dirty="0"/>
+              <a:t>, </a:t>
+            </a:r>
+            <a:r>
+              <a:rPr lang="en-CA" sz="1400" dirty="0" err="1"/>
+              <a:t>destinationPtr</a:t>
+            </a:r>
+            <a:r>
+              <a:rPr lang="en-CA" sz="1400" dirty="0"/>
+              <a:t>);</a:t>
+            </a:r>
+          </a:p>
+          <a:p>
+            <a:pPr marL="177800" indent="-177800"/>
+            <a:r>
+              <a:rPr lang="en-CA" sz="1400" dirty="0"/>
+              <a:t>	</a:t>
+            </a:r>
+            <a:r>
+              <a:rPr lang="en-CA" sz="1400" dirty="0" err="1"/>
+              <a:t>sourcePtr</a:t>
+            </a:r>
+            <a:r>
+              <a:rPr lang="en-CA" sz="1400" dirty="0"/>
+              <a:t>++;</a:t>
+            </a:r>
+          </a:p>
+          <a:p>
+            <a:pPr marL="177800" indent="-177800"/>
+            <a:r>
+              <a:rPr lang="en-CA" sz="1400" dirty="0"/>
+              <a:t>	</a:t>
+            </a:r>
+            <a:r>
+              <a:rPr lang="en-CA" sz="1400" dirty="0" err="1"/>
+              <a:t>destinationPtr</a:t>
+            </a:r>
+            <a:r>
+              <a:rPr lang="en-CA" sz="1400" dirty="0"/>
+              <a:t>--;</a:t>
+            </a:r>
+          </a:p>
+          <a:p>
+            <a:pPr marL="177800" indent="-177800"/>
+            <a:r>
+              <a:rPr lang="en-CA" sz="1400" dirty="0"/>
+              <a:t>}</a:t>
+            </a:r>
+          </a:p>
+        </p:txBody>
+      </p:sp>
+      <p:sp>
+        <p:nvSpPr>
           <p:cNvPr id="6" name="Rectangle 5"/>
           <p:cNvSpPr/>
           <p:nvPr/>
@@ -10019,7 +10185,7 @@
     </p:spTree>
     <p:extLst>
       <p:ext uri="{BB962C8B-B14F-4D97-AF65-F5344CB8AC3E}">
-        <p14:creationId xmlns:p14="http://schemas.microsoft.com/office/powerpoint/2010/main" val="2437553904"/>
+        <p14:creationId xmlns:p14="http://schemas.microsoft.com/office/powerpoint/2010/main" val="248385489"/>
       </p:ext>
     </p:extLst>
   </p:cSld>
@@ -10030,417 +10196,6 @@
 </file>
 
 <file path=ppt/slides/slide11.xml><?xml version="1.0" encoding="utf-8"?>
-<p:sld xmlns:a="http://schemas.openxmlformats.org/drawingml/2006/main" xmlns:r="http://schemas.openxmlformats.org/officeDocument/2006/relationships" xmlns:p="http://schemas.openxmlformats.org/presentationml/2006/main" showMasterSp="0">
-  <p:cSld>
-    <p:bg>
-      <p:bgPr>
-        <a:solidFill>
-          <a:srgbClr val="FFFFFF"/>
-        </a:solidFill>
-        <a:effectLst/>
-      </p:bgPr>
-    </p:bg>
-    <p:spTree>
-      <p:nvGrpSpPr>
-        <p:cNvPr id="1" name=""/>
-        <p:cNvGrpSpPr/>
-        <p:nvPr/>
-      </p:nvGrpSpPr>
-      <p:grpSpPr>
-        <a:xfrm>
-          <a:off x="0" y="0"/>
-          <a:ext cx="0" cy="0"/>
-          <a:chOff x="0" y="0"/>
-          <a:chExt cx="0" cy="0"/>
-        </a:xfrm>
-      </p:grpSpPr>
-      <p:sp>
-        <p:nvSpPr>
-          <p:cNvPr id="2" name="Date Placeholder 1">
-            <a:extLst>
-              <a:ext uri="{FF2B5EF4-FFF2-40B4-BE49-F238E27FC236}">
-                <a16:creationId xmlns:a16="http://schemas.microsoft.com/office/drawing/2014/main" id="{60F340EB-A9AA-49A1-8B4F-717EBD4A0DFB}"/>
-              </a:ext>
-            </a:extLst>
-          </p:cNvPr>
-          <p:cNvSpPr>
-            <a:spLocks noGrp="1"/>
-          </p:cNvSpPr>
-          <p:nvPr>
-            <p:ph type="dt" sz="half" idx="10"/>
-          </p:nvPr>
-        </p:nvSpPr>
-        <p:spPr/>
-        <p:txBody>
-          <a:bodyPr/>
-          <a:lstStyle/>
-          <a:p>
-            <a:fld id="{7EC20259-AFA4-42BB-B1F2-1723D3175E09}" type="datetime1">
-              <a:rPr lang="en-CA" smtClean="0"/>
-              <a:pPr/>
-              <a:t>2021-05-05</a:t>
-            </a:fld>
-            <a:endParaRPr lang="en-CA"/>
-          </a:p>
-        </p:txBody>
-      </p:sp>
-      <p:sp>
-        <p:nvSpPr>
-          <p:cNvPr id="3" name="Footer Placeholder 2">
-            <a:extLst>
-              <a:ext uri="{FF2B5EF4-FFF2-40B4-BE49-F238E27FC236}">
-                <a16:creationId xmlns:a16="http://schemas.microsoft.com/office/drawing/2014/main" id="{BE665245-DCC4-45AE-A0A9-41F4C7B0EA55}"/>
-              </a:ext>
-            </a:extLst>
-          </p:cNvPr>
-          <p:cNvSpPr>
-            <a:spLocks noGrp="1"/>
-          </p:cNvSpPr>
-          <p:nvPr>
-            <p:ph type="ftr" sz="quarter" idx="11"/>
-          </p:nvPr>
-        </p:nvSpPr>
-        <p:spPr/>
-        <p:txBody>
-          <a:bodyPr/>
-          <a:lstStyle/>
-          <a:p>
-            <a:r>
-              <a:rPr lang="en-US"/>
-              <a:t>Laboratory for Percutaneous Surgery (The Perk Lab) – Copyright © Queen’s University, 2021</a:t>
-            </a:r>
-            <a:endParaRPr lang="en-US" dirty="0"/>
-          </a:p>
-        </p:txBody>
-      </p:sp>
-      <p:sp>
-        <p:nvSpPr>
-          <p:cNvPr id="4" name="Slide Number Placeholder 3">
-            <a:extLst>
-              <a:ext uri="{FF2B5EF4-FFF2-40B4-BE49-F238E27FC236}">
-                <a16:creationId xmlns:a16="http://schemas.microsoft.com/office/drawing/2014/main" id="{CFC1D545-4A5F-4F84-84FD-387AB5F39F61}"/>
-              </a:ext>
-            </a:extLst>
-          </p:cNvPr>
-          <p:cNvSpPr>
-            <a:spLocks noGrp="1"/>
-          </p:cNvSpPr>
-          <p:nvPr>
-            <p:ph type="sldNum" sz="quarter" idx="12"/>
-          </p:nvPr>
-        </p:nvSpPr>
-        <p:spPr/>
-        <p:txBody>
-          <a:bodyPr/>
-          <a:lstStyle/>
-          <a:p>
-            <a:fld id="{090008EC-8F43-4B00-B358-048442A1BFBF}" type="slidenum">
-              <a:rPr lang="en-CA" smtClean="0"/>
-              <a:pPr/>
-              <a:t>11</a:t>
-            </a:fld>
-            <a:endParaRPr lang="en-CA" dirty="0"/>
-          </a:p>
-        </p:txBody>
-      </p:sp>
-      <p:pic>
-        <p:nvPicPr>
-          <p:cNvPr id="6" name="Picture 5">
-            <a:extLst>
-              <a:ext uri="{FF2B5EF4-FFF2-40B4-BE49-F238E27FC236}">
-                <a16:creationId xmlns:a16="http://schemas.microsoft.com/office/drawing/2014/main" id="{9E903C54-29E2-4508-9D1A-D9C1AD3493FF}"/>
-              </a:ext>
-            </a:extLst>
-          </p:cNvPr>
-          <p:cNvPicPr>
-            <a:picLocks/>
-          </p:cNvPicPr>
-          <p:nvPr>
-            <p:custDataLst>
-              <p:tags r:id="rId2"/>
-            </p:custDataLst>
-          </p:nvPr>
-        </p:nvPicPr>
-        <p:blipFill>
-          <a:blip r:embed="rId6" cstate="print">
-            <a:extLst>
-              <a:ext uri="{28A0092B-C50C-407E-A947-70E740481C1C}">
-                <a14:useLocalDpi xmlns:a14="http://schemas.microsoft.com/office/drawing/2010/main" val="0"/>
-              </a:ext>
-            </a:extLst>
-          </a:blip>
-          <a:stretch>
-            <a:fillRect/>
-          </a:stretch>
-        </p:blipFill>
-        <p:spPr>
-          <a:xfrm>
-            <a:off x="4114800" y="665953"/>
-            <a:ext cx="914400" cy="382594"/>
-          </a:xfrm>
-          <a:prstGeom prst="rect">
-            <a:avLst/>
-          </a:prstGeom>
-        </p:spPr>
-      </p:pic>
-      <p:sp>
-        <p:nvSpPr>
-          <p:cNvPr id="7" name="Rectangle 6">
-            <a:extLst>
-              <a:ext uri="{FF2B5EF4-FFF2-40B4-BE49-F238E27FC236}">
-                <a16:creationId xmlns:a16="http://schemas.microsoft.com/office/drawing/2014/main" id="{B3172ABA-ABFC-4733-9E39-35387D924BAB}"/>
-              </a:ext>
-            </a:extLst>
-          </p:cNvPr>
-          <p:cNvSpPr/>
-          <p:nvPr>
-            <p:custDataLst>
-              <p:tags r:id="rId3"/>
-            </p:custDataLst>
-          </p:nvPr>
-        </p:nvSpPr>
-        <p:spPr>
-          <a:xfrm>
-            <a:off x="0" y="1714500"/>
-            <a:ext cx="9144000" cy="3429000"/>
-          </a:xfrm>
-          <a:prstGeom prst="rect">
-            <a:avLst/>
-          </a:prstGeom>
-          <a:solidFill>
-            <a:srgbClr val="FFFFFF"/>
-          </a:solidFill>
-          <a:ln>
-            <a:solidFill>
-              <a:srgbClr val="FFFFFF"/>
-            </a:solidFill>
-          </a:ln>
-        </p:spPr>
-        <p:style>
-          <a:lnRef idx="2">
-            <a:schemeClr val="accent1">
-              <a:shade val="50000"/>
-            </a:schemeClr>
-          </a:lnRef>
-          <a:fillRef idx="1">
-            <a:schemeClr val="accent1"/>
-          </a:fillRef>
-          <a:effectRef idx="0">
-            <a:schemeClr val="accent1"/>
-          </a:effectRef>
-          <a:fontRef idx="minor">
-            <a:schemeClr val="lt1"/>
-          </a:fontRef>
-        </p:style>
-        <p:txBody>
-          <a:bodyPr rtlCol="0" anchor="ctr"/>
-          <a:lstStyle/>
-          <a:p>
-            <a:pPr algn="ctr"/>
-            <a:r>
-              <a:rPr lang="en-CA" sz="3600">
-                <a:solidFill>
-                  <a:schemeClr val="tx1"/>
-                </a:solidFill>
-              </a:rPr>
-              <a:t>for( char *p = str, *q = strchr(str, 0) - 1, t; p &lt; q; t = *p, *p++ = *q, *q++ = t );
-// What does the code snippet do?</a:t>
-            </a:r>
-            <a:endParaRPr lang="en-CA" sz="3600" dirty="0">
-              <a:solidFill>
-                <a:schemeClr val="tx2">
-                  <a:lumMod val="60000"/>
-                  <a:lumOff val="40000"/>
-                </a:schemeClr>
-              </a:solidFill>
-            </a:endParaRPr>
-          </a:p>
-        </p:txBody>
-      </p:sp>
-      <p:sp>
-        <p:nvSpPr>
-          <p:cNvPr id="8" name="Rectangle 7">
-            <a:extLst>
-              <a:ext uri="{FF2B5EF4-FFF2-40B4-BE49-F238E27FC236}">
-                <a16:creationId xmlns:a16="http://schemas.microsoft.com/office/drawing/2014/main" id="{6ED990F7-9356-49A3-90AD-8D23F68BDF61}"/>
-              </a:ext>
-            </a:extLst>
-          </p:cNvPr>
-          <p:cNvSpPr/>
-          <p:nvPr>
-            <p:custDataLst>
-              <p:tags r:id="rId4"/>
-            </p:custDataLst>
-          </p:nvPr>
-        </p:nvSpPr>
-        <p:spPr>
-          <a:xfrm>
-            <a:off x="0" y="5143500"/>
-            <a:ext cx="9144000" cy="1714500"/>
-          </a:xfrm>
-          <a:prstGeom prst="rect">
-            <a:avLst/>
-          </a:prstGeom>
-          <a:solidFill>
-            <a:srgbClr val="FFFFFF"/>
-          </a:solidFill>
-          <a:ln w="25400" cap="flat" cmpd="sng" algn="ctr">
-            <a:noFill/>
-            <a:prstDash val="solid"/>
-          </a:ln>
-          <a:effectLst/>
-          <a:extLst>
-            <a:ext uri="{91240B29-F687-4F45-9708-019B960494DF}">
-              <a14:hiddenLine xmlns:a14="http://schemas.microsoft.com/office/drawing/2010/main" w="25400" cap="flat" cmpd="sng" algn="ctr">
-                <a:solidFill>
-                  <a:schemeClr val="accent1">
-                    <a:shade val="50000"/>
-                  </a:schemeClr>
-                </a:solidFill>
-                <a:prstDash val="solid"/>
-              </a14:hiddenLine>
-            </a:ext>
-          </a:extLst>
-        </p:spPr>
-        <p:style>
-          <a:lnRef idx="2">
-            <a:schemeClr val="accent1">
-              <a:shade val="50000"/>
-            </a:schemeClr>
-          </a:lnRef>
-          <a:fillRef idx="1">
-            <a:schemeClr val="accent1"/>
-          </a:fillRef>
-          <a:effectRef idx="0">
-            <a:schemeClr val="accent1"/>
-          </a:effectRef>
-          <a:fontRef idx="minor">
-            <a:schemeClr val="lt1"/>
-          </a:fontRef>
-        </p:style>
-        <p:txBody>
-          <a:bodyPr rtlCol="0" anchor="ctr"/>
-          <a:lstStyle/>
-          <a:p>
-            <a:pPr algn="ctr"/>
-            <a:r>
-              <a:rPr lang="en-US" sz="1300" b="1">
-                <a:solidFill>
-                  <a:srgbClr val="39AC37"/>
-                </a:solidFill>
-              </a:rPr>
-              <a:t>ⓘ</a:t>
-            </a:r>
-            <a:r>
-              <a:rPr lang="en-US" sz="1400">
-                <a:solidFill>
-                  <a:srgbClr val="424242"/>
-                </a:solidFill>
-              </a:rPr>
-              <a:t> Start presenting to display the poll results on this slide.</a:t>
-            </a:r>
-            <a:endParaRPr lang="en-CA" sz="1400">
-              <a:solidFill>
-                <a:srgbClr val="424242"/>
-              </a:solidFill>
-            </a:endParaRPr>
-          </a:p>
-        </p:txBody>
-      </p:sp>
-    </p:spTree>
-    <p:custDataLst>
-      <p:tags r:id="rId1"/>
-    </p:custDataLst>
-    <p:extLst>
-      <p:ext uri="{BB962C8B-B14F-4D97-AF65-F5344CB8AC3E}">
-        <p14:creationId xmlns:p14="http://schemas.microsoft.com/office/powerpoint/2010/main" val="3688341342"/>
-      </p:ext>
-    </p:extLst>
-  </p:cSld>
-  <p:clrMapOvr>
-    <a:masterClrMapping/>
-  </p:clrMapOvr>
-  <p:timing>
-    <p:tnLst>
-      <p:par>
-        <p:cTn id="1" dur="indefinite" restart="never" nodeType="tmRoot">
-          <p:childTnLst>
-            <p:seq concurrent="1" nextAc="seek">
-              <p:cTn id="2" dur="indefinite" nodeType="mainSeq">
-                <p:childTnLst>
-                  <p:par>
-                    <p:cTn id="3" fill="hold">
-                      <p:stCondLst>
-                        <p:cond delay="indefinite"/>
-                      </p:stCondLst>
-                      <p:childTnLst>
-                        <p:par>
-                          <p:cTn id="4" fill="hold">
-                            <p:stCondLst>
-                              <p:cond delay="0"/>
-                            </p:stCondLst>
-                            <p:childTnLst>
-                              <p:par>
-                                <p:cTn id="5" presetID="26" presetClass="emph" presetSubtype="0" fill="hold" grpId="0" nodeType="clickEffect">
-                                  <p:stCondLst>
-                                    <p:cond delay="0"/>
-                                  </p:stCondLst>
-                                  <p:childTnLst>
-                                    <p:animEffect transition="out" filter="fade">
-                                      <p:cBhvr>
-                                        <p:cTn id="6" dur="50" tmFilter="0, 0; .2, .5; .8, .5; 1, 0"/>
-                                        <p:tgtEl>
-                                          <p:spTgt spid="7"/>
-                                        </p:tgtEl>
-                                      </p:cBhvr>
-                                    </p:animEffect>
-                                    <p:animScale>
-                                      <p:cBhvr>
-                                        <p:cTn id="7" dur="25" autoRev="1" fill="hold"/>
-                                        <p:tgtEl>
-                                          <p:spTgt spid="7"/>
-                                        </p:tgtEl>
-                                      </p:cBhvr>
-                                      <p:by x="105000" y="105000"/>
-                                    </p:animScale>
-                                  </p:childTnLst>
-                                </p:cTn>
-                              </p:par>
-                            </p:childTnLst>
-                          </p:cTn>
-                        </p:par>
-                      </p:childTnLst>
-                    </p:cTn>
-                  </p:par>
-                </p:childTnLst>
-              </p:cTn>
-              <p:prevCondLst>
-                <p:cond evt="onPrev" delay="0">
-                  <p:tgtEl>
-                    <p:sldTgt/>
-                  </p:tgtEl>
-                </p:cond>
-              </p:prevCondLst>
-              <p:nextCondLst>
-                <p:cond evt="onNext" delay="0">
-                  <p:tgtEl>
-                    <p:sldTgt/>
-                  </p:tgtEl>
-                </p:cond>
-              </p:nextCondLst>
-            </p:seq>
-          </p:childTnLst>
-        </p:cTn>
-      </p:par>
-    </p:tnLst>
-    <p:bldLst>
-      <p:bldP spid="7" grpId="0" animBg="1"/>
-    </p:bldLst>
-  </p:timing>
-</p:sld>
-</file>
-
-<file path=ppt/slides/slide12.xml><?xml version="1.0" encoding="utf-8"?>
 <p:sld xmlns:a="http://schemas.openxmlformats.org/drawingml/2006/main" xmlns:r="http://schemas.openxmlformats.org/officeDocument/2006/relationships" xmlns:p="http://schemas.openxmlformats.org/presentationml/2006/main">
   <p:cSld>
     <p:spTree>
@@ -10514,7 +10269,7 @@
               <a:pPr>
                 <a:defRPr/>
               </a:pPr>
-              <a:t>12</a:t>
+              <a:t>11</a:t>
             </a:fld>
             <a:r>
               <a:rPr lang="en-US"/>
@@ -10543,7 +10298,7 @@
             </a:pPr>
             <a:r>
               <a:rPr lang="en-US" dirty="0"/>
-              <a:t>Laboratory for Percutaneous Surgery (The Perk Lab) – Copyright © Queen’s University, 2021</a:t>
+              <a:t>Laboratory for Percutaneous Surgery (The Perk Lab) – Copyright © Queen’s University, 2022</a:t>
             </a:r>
           </a:p>
         </p:txBody>
@@ -10843,422 +10598,6 @@
           </a:p>
         </p:txBody>
       </p:sp>
-    </p:spTree>
-    <p:extLst>
-      <p:ext uri="{BB962C8B-B14F-4D97-AF65-F5344CB8AC3E}">
-        <p14:creationId xmlns:p14="http://schemas.microsoft.com/office/powerpoint/2010/main" val="248385489"/>
-      </p:ext>
-    </p:extLst>
-  </p:cSld>
-  <p:clrMapOvr>
-    <a:masterClrMapping/>
-  </p:clrMapOvr>
-</p:sld>
-</file>
-
-<file path=ppt/slides/slide13.xml><?xml version="1.0" encoding="utf-8"?>
-<p:sld xmlns:a="http://schemas.openxmlformats.org/drawingml/2006/main" xmlns:r="http://schemas.openxmlformats.org/officeDocument/2006/relationships" xmlns:p="http://schemas.openxmlformats.org/presentationml/2006/main">
-  <p:cSld>
-    <p:spTree>
-      <p:nvGrpSpPr>
-        <p:cNvPr id="1" name=""/>
-        <p:cNvGrpSpPr/>
-        <p:nvPr/>
-      </p:nvGrpSpPr>
-      <p:grpSpPr>
-        <a:xfrm>
-          <a:off x="0" y="0"/>
-          <a:ext cx="0" cy="0"/>
-          <a:chOff x="0" y="0"/>
-          <a:chExt cx="0" cy="0"/>
-        </a:xfrm>
-      </p:grpSpPr>
-      <p:sp>
-        <p:nvSpPr>
-          <p:cNvPr id="3" name="Title 2"/>
-          <p:cNvSpPr>
-            <a:spLocks noGrp="1"/>
-          </p:cNvSpPr>
-          <p:nvPr>
-            <p:ph type="title"/>
-          </p:nvPr>
-        </p:nvSpPr>
-        <p:spPr>
-          <a:xfrm>
-            <a:off x="678904" y="44624"/>
-            <a:ext cx="7906736" cy="868362"/>
-          </a:xfrm>
-        </p:spPr>
-        <p:txBody>
-          <a:bodyPr>
-            <a:normAutofit/>
-          </a:bodyPr>
-          <a:lstStyle/>
-          <a:p>
-            <a:pPr algn="l"/>
-            <a:r>
-              <a:rPr lang="en-CA" dirty="0"/>
-              <a:t>What do these code snippets do?</a:t>
-            </a:r>
-          </a:p>
-        </p:txBody>
-      </p:sp>
-      <p:sp>
-        <p:nvSpPr>
-          <p:cNvPr id="4" name="Slide Number Placeholder 3"/>
-          <p:cNvSpPr>
-            <a:spLocks noGrp="1"/>
-          </p:cNvSpPr>
-          <p:nvPr>
-            <p:ph type="sldNum" sz="quarter" idx="10"/>
-          </p:nvPr>
-        </p:nvSpPr>
-        <p:spPr/>
-        <p:txBody>
-          <a:bodyPr/>
-          <a:lstStyle/>
-          <a:p>
-            <a:pPr>
-              <a:defRPr/>
-            </a:pPr>
-            <a:r>
-              <a:rPr lang="en-US"/>
-              <a:t>- </a:t>
-            </a:r>
-            <a:fld id="{EC508102-87E5-4536-9108-F6A43470C743}" type="slidenum">
-              <a:rPr lang="en-US" smtClean="0"/>
-              <a:pPr>
-                <a:defRPr/>
-              </a:pPr>
-              <a:t>13</a:t>
-            </a:fld>
-            <a:r>
-              <a:rPr lang="en-US"/>
-              <a:t> -</a:t>
-            </a:r>
-          </a:p>
-        </p:txBody>
-      </p:sp>
-      <p:sp>
-        <p:nvSpPr>
-          <p:cNvPr id="5" name="Footer Placeholder 4"/>
-          <p:cNvSpPr>
-            <a:spLocks noGrp="1"/>
-          </p:cNvSpPr>
-          <p:nvPr>
-            <p:ph type="ftr" sz="quarter" idx="11"/>
-          </p:nvPr>
-        </p:nvSpPr>
-        <p:spPr/>
-        <p:txBody>
-          <a:bodyPr/>
-          <a:lstStyle/>
-          <a:p>
-            <a:pPr>
-              <a:defRPr/>
-            </a:pPr>
-            <a:r>
-              <a:rPr lang="en-US" dirty="0"/>
-              <a:t>Laboratory for Percutaneous Surgery (The Perk Lab) – Copyright © Queen’s University, 2021</a:t>
-            </a:r>
-          </a:p>
-        </p:txBody>
-      </p:sp>
-      <p:sp>
-        <p:nvSpPr>
-          <p:cNvPr id="7" name="Rectangle 6"/>
-          <p:cNvSpPr/>
-          <p:nvPr/>
-        </p:nvSpPr>
-        <p:spPr>
-          <a:xfrm>
-            <a:off x="395536" y="1772816"/>
-            <a:ext cx="5616624" cy="307777"/>
-          </a:xfrm>
-          <a:prstGeom prst="rect">
-            <a:avLst/>
-          </a:prstGeom>
-          <a:solidFill>
-            <a:schemeClr val="bg2"/>
-          </a:solidFill>
-        </p:spPr>
-        <p:txBody>
-          <a:bodyPr wrap="square">
-            <a:spAutoFit/>
-          </a:bodyPr>
-          <a:lstStyle/>
-          <a:p>
-            <a:pPr marL="177800" indent="-177800"/>
-            <a:r>
-              <a:rPr lang="en-CA" sz="1400" dirty="0"/>
-              <a:t>for( char *p = </a:t>
-            </a:r>
-            <a:r>
-              <a:rPr lang="en-CA" sz="1400" dirty="0" err="1"/>
-              <a:t>str</a:t>
-            </a:r>
-            <a:r>
-              <a:rPr lang="en-CA" sz="1400" dirty="0"/>
-              <a:t>, *q = </a:t>
-            </a:r>
-            <a:r>
-              <a:rPr lang="en-CA" sz="1400" dirty="0" err="1"/>
-              <a:t>strchr</a:t>
-            </a:r>
-            <a:r>
-              <a:rPr lang="en-CA" sz="1400" dirty="0"/>
-              <a:t>(</a:t>
-            </a:r>
-            <a:r>
-              <a:rPr lang="en-CA" sz="1400" dirty="0" err="1"/>
-              <a:t>str</a:t>
-            </a:r>
-            <a:r>
-              <a:rPr lang="en-CA" sz="1400" dirty="0"/>
-              <a:t>, 0) - 1, t; p &lt; q; t = *p, *p++ = *q, *q++ = t );</a:t>
-            </a:r>
-            <a:endParaRPr lang="en-CA" sz="1400" b="1" dirty="0"/>
-          </a:p>
-        </p:txBody>
-      </p:sp>
-      <p:pic>
-        <p:nvPicPr>
-          <p:cNvPr id="12" name="Picture 2" descr="http://ts1.mm.bing.net/images/thumbnail.aspx?q=1416689888324&amp;id=a11dcf17daede3b862c6dc1f9eb7930b&amp;url=http%3a%2f%2fwww.dailyblogtips.com%2fwp-content%2fuploads%2fcodinghorror.gif"/>
-          <p:cNvPicPr>
-            <a:picLocks noChangeAspect="1" noChangeArrowheads="1"/>
-          </p:cNvPicPr>
-          <p:nvPr/>
-        </p:nvPicPr>
-        <p:blipFill>
-          <a:blip r:embed="rId2">
-            <a:extLst>
-              <a:ext uri="{28A0092B-C50C-407E-A947-70E740481C1C}">
-                <a14:useLocalDpi xmlns:a14="http://schemas.microsoft.com/office/drawing/2010/main" val="0"/>
-              </a:ext>
-            </a:extLst>
-          </a:blip>
-          <a:srcRect/>
-          <a:stretch>
-            <a:fillRect/>
-          </a:stretch>
-        </p:blipFill>
-        <p:spPr bwMode="auto">
-          <a:xfrm>
-            <a:off x="6092910" y="1065488"/>
-            <a:ext cx="2511538" cy="1648197"/>
-          </a:xfrm>
-          <a:prstGeom prst="rect">
-            <a:avLst/>
-          </a:prstGeom>
-          <a:noFill/>
-          <a:extLst>
-            <a:ext uri="{909E8E84-426E-40DD-AFC4-6F175D3DCCD1}">
-              <a14:hiddenFill xmlns:a14="http://schemas.microsoft.com/office/drawing/2010/main">
-                <a:solidFill>
-                  <a:srgbClr val="FFFFFF"/>
-                </a:solidFill>
-              </a14:hiddenFill>
-            </a:ext>
-          </a:extLst>
-        </p:spPr>
-      </p:pic>
-      <p:sp>
-        <p:nvSpPr>
-          <p:cNvPr id="14" name="Rectangle 13"/>
-          <p:cNvSpPr/>
-          <p:nvPr/>
-        </p:nvSpPr>
-        <p:spPr>
-          <a:xfrm>
-            <a:off x="395536" y="3573016"/>
-            <a:ext cx="5616624" cy="1815882"/>
-          </a:xfrm>
-          <a:prstGeom prst="rect">
-            <a:avLst/>
-          </a:prstGeom>
-          <a:solidFill>
-            <a:schemeClr val="bg2"/>
-          </a:solidFill>
-        </p:spPr>
-        <p:txBody>
-          <a:bodyPr wrap="square">
-            <a:spAutoFit/>
-          </a:bodyPr>
-          <a:lstStyle/>
-          <a:p>
-            <a:pPr marL="177800" indent="-177800"/>
-            <a:r>
-              <a:rPr lang="en-CA" sz="1400" dirty="0"/>
-              <a:t>char *</a:t>
-            </a:r>
-            <a:r>
-              <a:rPr lang="en-CA" sz="1400" dirty="0" err="1"/>
-              <a:t>sourcePtr</a:t>
-            </a:r>
-            <a:r>
-              <a:rPr lang="en-CA" sz="1400" dirty="0"/>
-              <a:t> = </a:t>
-            </a:r>
-            <a:r>
-              <a:rPr lang="en-CA" sz="1400" dirty="0" err="1"/>
-              <a:t>str</a:t>
-            </a:r>
-            <a:r>
-              <a:rPr lang="en-CA" sz="1400" dirty="0"/>
-              <a:t>;</a:t>
-            </a:r>
-          </a:p>
-          <a:p>
-            <a:pPr marL="177800" indent="-177800"/>
-            <a:r>
-              <a:rPr lang="en-CA" sz="1400" dirty="0"/>
-              <a:t>char *</a:t>
-            </a:r>
-            <a:r>
-              <a:rPr lang="en-CA" sz="1400" dirty="0" err="1"/>
-              <a:t>destinationPtr</a:t>
-            </a:r>
-            <a:r>
-              <a:rPr lang="en-CA" sz="1400" dirty="0"/>
-              <a:t> = </a:t>
-            </a:r>
-            <a:r>
-              <a:rPr lang="en-CA" sz="1400" dirty="0" err="1"/>
-              <a:t>str+strlen</a:t>
-            </a:r>
-            <a:r>
-              <a:rPr lang="en-CA" sz="1400" dirty="0"/>
-              <a:t>(</a:t>
-            </a:r>
-            <a:r>
-              <a:rPr lang="en-CA" sz="1400" dirty="0" err="1"/>
-              <a:t>str</a:t>
-            </a:r>
-            <a:r>
-              <a:rPr lang="en-CA" sz="1400" dirty="0"/>
-              <a:t>)-1;</a:t>
-            </a:r>
-          </a:p>
-          <a:p>
-            <a:pPr marL="177800" indent="-177800"/>
-            <a:r>
-              <a:rPr lang="en-CA" sz="1400" dirty="0"/>
-              <a:t>while (</a:t>
-            </a:r>
-            <a:r>
-              <a:rPr lang="en-CA" sz="1400" dirty="0" err="1"/>
-              <a:t>sourcePointer</a:t>
-            </a:r>
-            <a:r>
-              <a:rPr lang="en-CA" sz="1400" dirty="0"/>
-              <a:t>&lt;</a:t>
-            </a:r>
-            <a:r>
-              <a:rPr lang="en-CA" sz="1400" dirty="0" err="1"/>
-              <a:t>destinationPtr</a:t>
-            </a:r>
-            <a:r>
-              <a:rPr lang="en-CA" sz="1400" dirty="0"/>
-              <a:t>)</a:t>
-            </a:r>
-          </a:p>
-          <a:p>
-            <a:pPr marL="177800" indent="-177800"/>
-            <a:r>
-              <a:rPr lang="en-CA" sz="1400" dirty="0"/>
-              <a:t>{</a:t>
-            </a:r>
-          </a:p>
-          <a:p>
-            <a:pPr marL="177800" indent="-177800"/>
-            <a:r>
-              <a:rPr lang="en-CA" sz="1400" dirty="0"/>
-              <a:t>    swap(</a:t>
-            </a:r>
-            <a:r>
-              <a:rPr lang="en-CA" sz="1400" dirty="0" err="1"/>
-              <a:t>sourcePtr</a:t>
-            </a:r>
-            <a:r>
-              <a:rPr lang="en-CA" sz="1400" dirty="0"/>
-              <a:t>, </a:t>
-            </a:r>
-            <a:r>
-              <a:rPr lang="en-CA" sz="1400" dirty="0" err="1"/>
-              <a:t>destinationPtr</a:t>
-            </a:r>
-            <a:r>
-              <a:rPr lang="en-CA" sz="1400" dirty="0"/>
-              <a:t>);</a:t>
-            </a:r>
-          </a:p>
-          <a:p>
-            <a:pPr marL="177800" indent="-177800"/>
-            <a:r>
-              <a:rPr lang="en-CA" sz="1400" dirty="0"/>
-              <a:t>	</a:t>
-            </a:r>
-            <a:r>
-              <a:rPr lang="en-CA" sz="1400" dirty="0" err="1"/>
-              <a:t>sourcePtr</a:t>
-            </a:r>
-            <a:r>
-              <a:rPr lang="en-CA" sz="1400" dirty="0"/>
-              <a:t>++;</a:t>
-            </a:r>
-          </a:p>
-          <a:p>
-            <a:pPr marL="177800" indent="-177800"/>
-            <a:r>
-              <a:rPr lang="en-CA" sz="1400" dirty="0"/>
-              <a:t>	</a:t>
-            </a:r>
-            <a:r>
-              <a:rPr lang="en-CA" sz="1400" dirty="0" err="1"/>
-              <a:t>destinationPtr</a:t>
-            </a:r>
-            <a:r>
-              <a:rPr lang="en-CA" sz="1400" dirty="0"/>
-              <a:t>--;</a:t>
-            </a:r>
-          </a:p>
-          <a:p>
-            <a:pPr marL="177800" indent="-177800"/>
-            <a:r>
-              <a:rPr lang="en-CA" sz="1400" dirty="0"/>
-              <a:t>}</a:t>
-            </a:r>
-          </a:p>
-        </p:txBody>
-      </p:sp>
-      <p:sp>
-        <p:nvSpPr>
-          <p:cNvPr id="6" name="Rectangle 5"/>
-          <p:cNvSpPr/>
-          <p:nvPr/>
-        </p:nvSpPr>
-        <p:spPr>
-          <a:xfrm>
-            <a:off x="3347864" y="2102756"/>
-            <a:ext cx="2593787" cy="307777"/>
-          </a:xfrm>
-          <a:prstGeom prst="rect">
-            <a:avLst/>
-          </a:prstGeom>
-        </p:spPr>
-        <p:txBody>
-          <a:bodyPr wrap="none">
-            <a:spAutoFit/>
-          </a:bodyPr>
-          <a:lstStyle/>
-          <a:p>
-            <a:r>
-              <a:rPr lang="en-CA" sz="1400" i="1" dirty="0"/>
-              <a:t>Source: http://stackoverflow.com</a:t>
-            </a:r>
-          </a:p>
-        </p:txBody>
-      </p:sp>
       <p:sp>
         <p:nvSpPr>
           <p:cNvPr id="15" name="Rectangle 14"/>
@@ -11308,7 +10647,7 @@
 </p:sld>
 </file>
 
-<file path=ppt/slides/slide14.xml><?xml version="1.0" encoding="utf-8"?>
+<file path=ppt/slides/slide12.xml><?xml version="1.0" encoding="utf-8"?>
 <p:sld xmlns:a="http://schemas.openxmlformats.org/drawingml/2006/main" xmlns:r="http://schemas.openxmlformats.org/officeDocument/2006/relationships" xmlns:p="http://schemas.openxmlformats.org/presentationml/2006/main">
   <p:cSld>
     <p:spTree>
@@ -11382,7 +10721,7 @@
               <a:pPr>
                 <a:defRPr/>
               </a:pPr>
-              <a:t>14</a:t>
+              <a:t>12</a:t>
             </a:fld>
             <a:r>
               <a:rPr lang="en-US"/>
@@ -11411,7 +10750,7 @@
             </a:pPr>
             <a:r>
               <a:rPr lang="en-US" dirty="0"/>
-              <a:t>Laboratory for Percutaneous Surgery (The Perk Lab) – Copyright © Queen’s University, 2021</a:t>
+              <a:t>Laboratory for Percutaneous Surgery (The Perk Lab) – Copyright © Queen’s University, 2022</a:t>
             </a:r>
           </a:p>
         </p:txBody>
@@ -11791,7 +11130,7 @@
 </p:sld>
 </file>
 
-<file path=ppt/slides/slide15.xml><?xml version="1.0" encoding="utf-8"?>
+<file path=ppt/slides/slide13.xml><?xml version="1.0" encoding="utf-8"?>
 <p:sld xmlns:a="http://schemas.openxmlformats.org/drawingml/2006/main" xmlns:r="http://schemas.openxmlformats.org/officeDocument/2006/relationships" xmlns:p="http://schemas.openxmlformats.org/presentationml/2006/main">
   <p:cSld>
     <p:spTree>
@@ -11865,7 +11204,7 @@
               <a:pPr>
                 <a:defRPr/>
               </a:pPr>
-              <a:t>15</a:t>
+              <a:t>13</a:t>
             </a:fld>
             <a:r>
               <a:rPr lang="en-US"/>
@@ -11894,7 +11233,7 @@
             </a:pPr>
             <a:r>
               <a:rPr lang="en-US" dirty="0"/>
-              <a:t>Laboratory for Percutaneous Surgery (The Perk Lab) – Copyright © Queen’s University, 2021</a:t>
+              <a:t>Laboratory for Percutaneous Surgery (The Perk Lab) – Copyright © Queen’s University, 2022</a:t>
             </a:r>
           </a:p>
         </p:txBody>
@@ -12171,7 +11510,7 @@
 </p:sld>
 </file>
 
-<file path=ppt/slides/slide16.xml><?xml version="1.0" encoding="utf-8"?>
+<file path=ppt/slides/slide14.xml><?xml version="1.0" encoding="utf-8"?>
 <p:sld xmlns:a="http://schemas.openxmlformats.org/drawingml/2006/main" xmlns:r="http://schemas.openxmlformats.org/officeDocument/2006/relationships" xmlns:p="http://schemas.openxmlformats.org/presentationml/2006/main">
   <p:cSld>
     <p:spTree>
@@ -12245,7 +11584,7 @@
               <a:pPr>
                 <a:defRPr/>
               </a:pPr>
-              <a:t>16</a:t>
+              <a:t>14</a:t>
             </a:fld>
             <a:r>
               <a:rPr lang="en-US"/>
@@ -12274,7 +11613,7 @@
             </a:pPr>
             <a:r>
               <a:rPr lang="en-US" dirty="0"/>
-              <a:t>Laboratory for Percutaneous Surgery (The Perk Lab) – Copyright © Queen’s University, 2021</a:t>
+              <a:t>Laboratory for Percutaneous Surgery (The Perk Lab) – Copyright © Queen’s University, 2022</a:t>
             </a:r>
           </a:p>
         </p:txBody>
@@ -13128,7 +12467,7 @@
 </p:sld>
 </file>
 
-<file path=ppt/slides/slide17.xml><?xml version="1.0" encoding="utf-8"?>
+<file path=ppt/slides/slide15.xml><?xml version="1.0" encoding="utf-8"?>
 <p:sld xmlns:a="http://schemas.openxmlformats.org/drawingml/2006/main" xmlns:r="http://schemas.openxmlformats.org/officeDocument/2006/relationships" xmlns:p="http://schemas.openxmlformats.org/presentationml/2006/main">
   <p:cSld>
     <p:spTree>
@@ -13202,7 +12541,7 @@
               <a:pPr>
                 <a:defRPr/>
               </a:pPr>
-              <a:t>17</a:t>
+              <a:t>15</a:t>
             </a:fld>
             <a:r>
               <a:rPr lang="en-US"/>
@@ -13231,7 +12570,7 @@
             </a:pPr>
             <a:r>
               <a:rPr lang="en-US" dirty="0"/>
-              <a:t>Laboratory for Percutaneous Surgery (The Perk Lab) – Copyright © Queen’s University, 2021</a:t>
+              <a:t>Laboratory for Percutaneous Surgery (The Perk Lab) – Copyright © Queen’s University, 2022</a:t>
             </a:r>
           </a:p>
         </p:txBody>
@@ -13981,7 +13320,7 @@
 </p:sld>
 </file>
 
-<file path=ppt/slides/slide18.xml><?xml version="1.0" encoding="utf-8"?>
+<file path=ppt/slides/slide16.xml><?xml version="1.0" encoding="utf-8"?>
 <p:sld xmlns:a="http://schemas.openxmlformats.org/drawingml/2006/main" xmlns:r="http://schemas.openxmlformats.org/officeDocument/2006/relationships" xmlns:p="http://schemas.openxmlformats.org/presentationml/2006/main">
   <p:cSld>
     <p:spTree>
@@ -14055,7 +13394,7 @@
               <a:pPr>
                 <a:defRPr/>
               </a:pPr>
-              <a:t>18</a:t>
+              <a:t>16</a:t>
             </a:fld>
             <a:r>
               <a:rPr lang="en-US"/>
@@ -14084,7 +13423,7 @@
             </a:pPr>
             <a:r>
               <a:rPr lang="en-US" dirty="0"/>
-              <a:t>Laboratory for Percutaneous Surgery (The Perk Lab) – Copyright © Queen’s University, 2021</a:t>
+              <a:t>Laboratory for Percutaneous Surgery (The Perk Lab) – Copyright © Queen’s University, 2022</a:t>
             </a:r>
           </a:p>
         </p:txBody>
@@ -14480,7 +13819,7 @@
 </p:sld>
 </file>
 
-<file path=ppt/slides/slide19.xml><?xml version="1.0" encoding="utf-8"?>
+<file path=ppt/slides/slide17.xml><?xml version="1.0" encoding="utf-8"?>
 <p:sld xmlns:a="http://schemas.openxmlformats.org/drawingml/2006/main" xmlns:r="http://schemas.openxmlformats.org/officeDocument/2006/relationships" xmlns:p="http://schemas.openxmlformats.org/presentationml/2006/main">
   <p:cSld>
     <p:spTree>
@@ -14554,7 +13893,7 @@
               <a:pPr>
                 <a:defRPr/>
               </a:pPr>
-              <a:t>19</a:t>
+              <a:t>17</a:t>
             </a:fld>
             <a:r>
               <a:rPr lang="en-US"/>
@@ -14583,7 +13922,7 @@
             </a:pPr>
             <a:r>
               <a:rPr lang="en-US" dirty="0"/>
-              <a:t>Laboratory for Percutaneous Surgery (The Perk Lab) – Copyright © Queen’s University, 2021</a:t>
+              <a:t>Laboratory for Percutaneous Surgery (The Perk Lab) – Copyright © Queen’s University, 2022</a:t>
             </a:r>
           </a:p>
         </p:txBody>
@@ -15031,740 +14370,7 @@
 </p:sld>
 </file>
 
-<file path=ppt/slides/slide2.xml><?xml version="1.0" encoding="utf-8"?>
-<p:sld xmlns:a="http://schemas.openxmlformats.org/drawingml/2006/main" xmlns:r="http://schemas.openxmlformats.org/officeDocument/2006/relationships" xmlns:p="http://schemas.openxmlformats.org/presentationml/2006/main">
-  <p:cSld>
-    <p:spTree>
-      <p:nvGrpSpPr>
-        <p:cNvPr id="1" name=""/>
-        <p:cNvGrpSpPr/>
-        <p:nvPr/>
-      </p:nvGrpSpPr>
-      <p:grpSpPr>
-        <a:xfrm>
-          <a:off x="0" y="0"/>
-          <a:ext cx="0" cy="0"/>
-          <a:chOff x="0" y="0"/>
-          <a:chExt cx="0" cy="0"/>
-        </a:xfrm>
-      </p:grpSpPr>
-      <p:sp>
-        <p:nvSpPr>
-          <p:cNvPr id="5" name="Slide Number Placeholder 9"/>
-          <p:cNvSpPr>
-            <a:spLocks noGrp="1"/>
-          </p:cNvSpPr>
-          <p:nvPr>
-            <p:ph type="sldNum" sz="quarter" idx="10"/>
-          </p:nvPr>
-        </p:nvSpPr>
-        <p:spPr/>
-        <p:txBody>
-          <a:bodyPr/>
-          <a:lstStyle>
-            <a:lvl1pPr>
-              <a:defRPr/>
-            </a:lvl1pPr>
-          </a:lstStyle>
-          <a:p>
-            <a:pPr>
-              <a:defRPr/>
-            </a:pPr>
-            <a:r>
-              <a:rPr lang="en-US"/>
-              <a:t>- </a:t>
-            </a:r>
-            <a:fld id="{5BFBA2BC-CB0A-4E3B-9671-75DD39CEE869}" type="slidenum">
-              <a:rPr lang="en-US"/>
-              <a:pPr>
-                <a:defRPr/>
-              </a:pPr>
-              <a:t>2</a:t>
-            </a:fld>
-            <a:r>
-              <a:rPr lang="en-US"/>
-              <a:t> -</a:t>
-            </a:r>
-          </a:p>
-        </p:txBody>
-      </p:sp>
-      <p:sp>
-        <p:nvSpPr>
-          <p:cNvPr id="6" name="Footer Placeholder 10"/>
-          <p:cNvSpPr>
-            <a:spLocks noGrp="1"/>
-          </p:cNvSpPr>
-          <p:nvPr>
-            <p:ph type="ftr" sz="quarter" idx="11"/>
-          </p:nvPr>
-        </p:nvSpPr>
-        <p:spPr/>
-        <p:txBody>
-          <a:bodyPr/>
-          <a:lstStyle>
-            <a:lvl1pPr>
-              <a:defRPr/>
-            </a:lvl1pPr>
-          </a:lstStyle>
-          <a:p>
-            <a:pPr>
-              <a:defRPr/>
-            </a:pPr>
-            <a:r>
-              <a:rPr lang="en-US" dirty="0"/>
-              <a:t>Laboratory for Percutaneous Surgery (The Perk Lab) – Copyright © Queen’s University, 2021</a:t>
-            </a:r>
-          </a:p>
-        </p:txBody>
-      </p:sp>
-      <p:pic>
-        <p:nvPicPr>
-          <p:cNvPr id="1028" name="Picture 4" descr="Click to view full size image"/>
-          <p:cNvPicPr>
-            <a:picLocks noChangeAspect="1" noChangeArrowheads="1"/>
-          </p:cNvPicPr>
-          <p:nvPr/>
-        </p:nvPicPr>
-        <p:blipFill rotWithShape="1">
-          <a:blip r:embed="rId2" cstate="print">
-            <a:extLst>
-              <a:ext uri="{28A0092B-C50C-407E-A947-70E740481C1C}">
-                <a14:useLocalDpi xmlns:a14="http://schemas.microsoft.com/office/drawing/2010/main" val="0"/>
-              </a:ext>
-            </a:extLst>
-          </a:blip>
-          <a:srcRect l="14285" t="4288" r="14763" b="4961"/>
-          <a:stretch/>
-        </p:blipFill>
-        <p:spPr bwMode="auto">
-          <a:xfrm>
-            <a:off x="174711" y="188640"/>
-            <a:ext cx="1983091" cy="1426761"/>
-          </a:xfrm>
-          <a:prstGeom prst="rect">
-            <a:avLst/>
-          </a:prstGeom>
-          <a:noFill/>
-          <a:extLst>
-            <a:ext uri="{909E8E84-426E-40DD-AFC4-6F175D3DCCD1}">
-              <a14:hiddenFill xmlns:a14="http://schemas.microsoft.com/office/drawing/2010/main">
-                <a:solidFill>
-                  <a:srgbClr val="FFFFFF"/>
-                </a:solidFill>
-              </a14:hiddenFill>
-            </a:ext>
-          </a:extLst>
-        </p:spPr>
-      </p:pic>
-      <p:pic>
-        <p:nvPicPr>
-          <p:cNvPr id="1038" name="Picture 14" descr="http://www.gateway-medical.com/images/GE%20Innova2100.jpg"/>
-          <p:cNvPicPr>
-            <a:picLocks noChangeAspect="1" noChangeArrowheads="1"/>
-          </p:cNvPicPr>
-          <p:nvPr/>
-        </p:nvPicPr>
-        <p:blipFill>
-          <a:blip r:embed="rId3">
-            <a:extLst>
-              <a:ext uri="{28A0092B-C50C-407E-A947-70E740481C1C}">
-                <a14:useLocalDpi xmlns:a14="http://schemas.microsoft.com/office/drawing/2010/main" val="0"/>
-              </a:ext>
-            </a:extLst>
-          </a:blip>
-          <a:srcRect/>
-          <a:stretch>
-            <a:fillRect/>
-          </a:stretch>
-        </p:blipFill>
-        <p:spPr bwMode="auto">
-          <a:xfrm>
-            <a:off x="1445058" y="2564904"/>
-            <a:ext cx="2384309" cy="2318729"/>
-          </a:xfrm>
-          <a:prstGeom prst="rect">
-            <a:avLst/>
-          </a:prstGeom>
-          <a:noFill/>
-          <a:extLst>
-            <a:ext uri="{909E8E84-426E-40DD-AFC4-6F175D3DCCD1}">
-              <a14:hiddenFill xmlns:a14="http://schemas.microsoft.com/office/drawing/2010/main">
-                <a:solidFill>
-                  <a:srgbClr val="FFFFFF"/>
-                </a:solidFill>
-              </a14:hiddenFill>
-            </a:ext>
-          </a:extLst>
-        </p:spPr>
-      </p:pic>
-      <p:pic>
-        <p:nvPicPr>
-          <p:cNvPr id="1032" name="Picture 8" descr="http://www.gehealthcare.com/international/aw/images/stenosis-analysis_img01_large.jpg"/>
-          <p:cNvPicPr>
-            <a:picLocks noChangeAspect="1" noChangeArrowheads="1"/>
-          </p:cNvPicPr>
-          <p:nvPr/>
-        </p:nvPicPr>
-        <p:blipFill>
-          <a:blip r:embed="rId4" cstate="print">
-            <a:extLst>
-              <a:ext uri="{28A0092B-C50C-407E-A947-70E740481C1C}">
-                <a14:useLocalDpi xmlns:a14="http://schemas.microsoft.com/office/drawing/2010/main" val="0"/>
-              </a:ext>
-            </a:extLst>
-          </a:blip>
-          <a:srcRect/>
-          <a:stretch>
-            <a:fillRect/>
-          </a:stretch>
-        </p:blipFill>
-        <p:spPr bwMode="auto">
-          <a:xfrm>
-            <a:off x="406568" y="4546749"/>
-            <a:ext cx="1933184" cy="1546547"/>
-          </a:xfrm>
-          <a:prstGeom prst="rect">
-            <a:avLst/>
-          </a:prstGeom>
-          <a:noFill/>
-          <a:extLst>
-            <a:ext uri="{909E8E84-426E-40DD-AFC4-6F175D3DCCD1}">
-              <a14:hiddenFill xmlns:a14="http://schemas.microsoft.com/office/drawing/2010/main">
-                <a:solidFill>
-                  <a:srgbClr val="FFFFFF"/>
-                </a:solidFill>
-              </a14:hiddenFill>
-            </a:ext>
-          </a:extLst>
-        </p:spPr>
-      </p:pic>
-      <p:pic>
-        <p:nvPicPr>
-          <p:cNvPr id="1036" name="Picture 12" descr="http://www.gehealthcare.com/international/aw/images/left-ventricle-analysis_img01_large.jpg"/>
-          <p:cNvPicPr>
-            <a:picLocks noChangeAspect="1" noChangeArrowheads="1"/>
-          </p:cNvPicPr>
-          <p:nvPr/>
-        </p:nvPicPr>
-        <p:blipFill>
-          <a:blip r:embed="rId5" cstate="print">
-            <a:extLst>
-              <a:ext uri="{28A0092B-C50C-407E-A947-70E740481C1C}">
-                <a14:useLocalDpi xmlns:a14="http://schemas.microsoft.com/office/drawing/2010/main" val="0"/>
-              </a:ext>
-            </a:extLst>
-          </a:blip>
-          <a:srcRect/>
-          <a:stretch>
-            <a:fillRect/>
-          </a:stretch>
-        </p:blipFill>
-        <p:spPr bwMode="auto">
-          <a:xfrm>
-            <a:off x="1846672" y="4879830"/>
-            <a:ext cx="1876872" cy="1501498"/>
-          </a:xfrm>
-          <a:prstGeom prst="rect">
-            <a:avLst/>
-          </a:prstGeom>
-          <a:noFill/>
-          <a:extLst>
-            <a:ext uri="{909E8E84-426E-40DD-AFC4-6F175D3DCCD1}">
-              <a14:hiddenFill xmlns:a14="http://schemas.microsoft.com/office/drawing/2010/main">
-                <a:solidFill>
-                  <a:srgbClr val="FFFFFF"/>
-                </a:solidFill>
-              </a14:hiddenFill>
-            </a:ext>
-          </a:extLst>
-        </p:spPr>
-      </p:pic>
-      <p:pic>
-        <p:nvPicPr>
-          <p:cNvPr id="1042" name="Picture 18" descr="Innova TrackVision Trajectory Plan"/>
-          <p:cNvPicPr>
-            <a:picLocks noChangeAspect="1" noChangeArrowheads="1"/>
-          </p:cNvPicPr>
-          <p:nvPr/>
-        </p:nvPicPr>
-        <p:blipFill rotWithShape="1">
-          <a:blip r:embed="rId6">
-            <a:extLst>
-              <a:ext uri="{28A0092B-C50C-407E-A947-70E740481C1C}">
-                <a14:useLocalDpi xmlns:a14="http://schemas.microsoft.com/office/drawing/2010/main" val="0"/>
-              </a:ext>
-            </a:extLst>
-          </a:blip>
-          <a:srcRect l="4513" t="4611" r="4131" b="21167"/>
-          <a:stretch/>
-        </p:blipFill>
-        <p:spPr bwMode="auto">
-          <a:xfrm>
-            <a:off x="3491881" y="4324683"/>
-            <a:ext cx="2448271" cy="1762834"/>
-          </a:xfrm>
-          <a:prstGeom prst="rect">
-            <a:avLst/>
-          </a:prstGeom>
-          <a:noFill/>
-          <a:extLst>
-            <a:ext uri="{909E8E84-426E-40DD-AFC4-6F175D3DCCD1}">
-              <a14:hiddenFill xmlns:a14="http://schemas.microsoft.com/office/drawing/2010/main">
-                <a:solidFill>
-                  <a:srgbClr val="FFFFFF"/>
-                </a:solidFill>
-              </a14:hiddenFill>
-            </a:ext>
-          </a:extLst>
-        </p:spPr>
-      </p:pic>
-      <p:pic>
-        <p:nvPicPr>
-          <p:cNvPr id="1040" name="Picture 16" descr="http://www.gehealthcare.com/international/aw/images/innovaepvision_img01_large.jpg"/>
-          <p:cNvPicPr>
-            <a:picLocks noChangeAspect="1" noChangeArrowheads="1"/>
-          </p:cNvPicPr>
-          <p:nvPr/>
-        </p:nvPicPr>
-        <p:blipFill>
-          <a:blip r:embed="rId7" cstate="print">
-            <a:extLst>
-              <a:ext uri="{28A0092B-C50C-407E-A947-70E740481C1C}">
-                <a14:useLocalDpi xmlns:a14="http://schemas.microsoft.com/office/drawing/2010/main" val="0"/>
-              </a:ext>
-            </a:extLst>
-          </a:blip>
-          <a:srcRect/>
-          <a:stretch>
-            <a:fillRect/>
-          </a:stretch>
-        </p:blipFill>
-        <p:spPr bwMode="auto">
-          <a:xfrm>
-            <a:off x="3851920" y="2909145"/>
-            <a:ext cx="2450019" cy="1960015"/>
-          </a:xfrm>
-          <a:prstGeom prst="rect">
-            <a:avLst/>
-          </a:prstGeom>
-          <a:noFill/>
-          <a:extLst>
-            <a:ext uri="{909E8E84-426E-40DD-AFC4-6F175D3DCCD1}">
-              <a14:hiddenFill xmlns:a14="http://schemas.microsoft.com/office/drawing/2010/main">
-                <a:solidFill>
-                  <a:srgbClr val="FFFFFF"/>
-                </a:solidFill>
-              </a14:hiddenFill>
-            </a:ext>
-          </a:extLst>
-        </p:spPr>
-      </p:pic>
-      <p:pic>
-        <p:nvPicPr>
-          <p:cNvPr id="1026" name="Picture 2" descr="http://www.designworldonline.com/uploads/Imagegallery/SMT-pick-and-place-system.jpg"/>
-          <p:cNvPicPr>
-            <a:picLocks noChangeAspect="1" noChangeArrowheads="1"/>
-          </p:cNvPicPr>
-          <p:nvPr/>
-        </p:nvPicPr>
-        <p:blipFill>
-          <a:blip r:embed="rId8">
-            <a:extLst>
-              <a:ext uri="{28A0092B-C50C-407E-A947-70E740481C1C}">
-                <a14:useLocalDpi xmlns:a14="http://schemas.microsoft.com/office/drawing/2010/main" val="0"/>
-              </a:ext>
-            </a:extLst>
-          </a:blip>
-          <a:srcRect/>
-          <a:stretch>
-            <a:fillRect/>
-          </a:stretch>
-        </p:blipFill>
-        <p:spPr bwMode="auto">
-          <a:xfrm>
-            <a:off x="1532024" y="749097"/>
-            <a:ext cx="2823952" cy="1959823"/>
-          </a:xfrm>
-          <a:prstGeom prst="rect">
-            <a:avLst/>
-          </a:prstGeom>
-          <a:noFill/>
-          <a:extLst>
-            <a:ext uri="{909E8E84-426E-40DD-AFC4-6F175D3DCCD1}">
-              <a14:hiddenFill xmlns:a14="http://schemas.microsoft.com/office/drawing/2010/main">
-                <a:solidFill>
-                  <a:srgbClr val="FFFFFF"/>
-                </a:solidFill>
-              </a14:hiddenFill>
-            </a:ext>
-          </a:extLst>
-        </p:spPr>
-      </p:pic>
-      <p:pic>
-        <p:nvPicPr>
-          <p:cNvPr id="1050" name="Picture 26" descr="http://www.radixlab.net/andraslasso/sites/default/files/cubedf1.gif"/>
-          <p:cNvPicPr>
-            <a:picLocks noChangeAspect="1" noChangeArrowheads="1"/>
-          </p:cNvPicPr>
-          <p:nvPr/>
-        </p:nvPicPr>
-        <p:blipFill>
-          <a:blip r:embed="rId9">
-            <a:extLst>
-              <a:ext uri="{28A0092B-C50C-407E-A947-70E740481C1C}">
-                <a14:useLocalDpi xmlns:a14="http://schemas.microsoft.com/office/drawing/2010/main" val="0"/>
-              </a:ext>
-            </a:extLst>
-          </a:blip>
-          <a:srcRect/>
-          <a:stretch>
-            <a:fillRect/>
-          </a:stretch>
-        </p:blipFill>
-        <p:spPr bwMode="auto">
-          <a:xfrm>
-            <a:off x="3635896" y="836712"/>
-            <a:ext cx="1890210" cy="1512168"/>
-          </a:xfrm>
-          <a:prstGeom prst="rect">
-            <a:avLst/>
-          </a:prstGeom>
-          <a:noFill/>
-          <a:extLst>
-            <a:ext uri="{909E8E84-426E-40DD-AFC4-6F175D3DCCD1}">
-              <a14:hiddenFill xmlns:a14="http://schemas.microsoft.com/office/drawing/2010/main">
-                <a:solidFill>
-                  <a:srgbClr val="FFFFFF"/>
-                </a:solidFill>
-              </a14:hiddenFill>
-            </a:ext>
-          </a:extLst>
-        </p:spPr>
-      </p:pic>
-      <p:pic>
-        <p:nvPicPr>
-          <p:cNvPr id="1046" name="Picture 22" descr="http://emalog.hu/kepek/szoftver/inda.gif"/>
-          <p:cNvPicPr>
-            <a:picLocks noChangeAspect="1" noChangeArrowheads="1"/>
-          </p:cNvPicPr>
-          <p:nvPr/>
-        </p:nvPicPr>
-        <p:blipFill>
-          <a:blip r:embed="rId10">
-            <a:extLst>
-              <a:ext uri="{28A0092B-C50C-407E-A947-70E740481C1C}">
-                <a14:useLocalDpi xmlns:a14="http://schemas.microsoft.com/office/drawing/2010/main" val="0"/>
-              </a:ext>
-            </a:extLst>
-          </a:blip>
-          <a:srcRect/>
-          <a:stretch>
-            <a:fillRect/>
-          </a:stretch>
-        </p:blipFill>
-        <p:spPr bwMode="auto">
-          <a:xfrm>
-            <a:off x="5076056" y="173033"/>
-            <a:ext cx="2684236" cy="1815807"/>
-          </a:xfrm>
-          <a:prstGeom prst="rect">
-            <a:avLst/>
-          </a:prstGeom>
-          <a:noFill/>
-          <a:extLst>
-            <a:ext uri="{909E8E84-426E-40DD-AFC4-6F175D3DCCD1}">
-              <a14:hiddenFill xmlns:a14="http://schemas.microsoft.com/office/drawing/2010/main">
-                <a:solidFill>
-                  <a:srgbClr val="FFFFFF"/>
-                </a:solidFill>
-              </a14:hiddenFill>
-            </a:ext>
-          </a:extLst>
-        </p:spPr>
-      </p:pic>
-      <p:pic>
-        <p:nvPicPr>
-          <p:cNvPr id="1052" name="Picture 28" descr="File:ProstateNav361Calibration.png"/>
-          <p:cNvPicPr>
-            <a:picLocks noChangeAspect="1" noChangeArrowheads="1"/>
-          </p:cNvPicPr>
-          <p:nvPr/>
-        </p:nvPicPr>
-        <p:blipFill>
-          <a:blip r:embed="rId11" cstate="print">
-            <a:extLst>
-              <a:ext uri="{28A0092B-C50C-407E-A947-70E740481C1C}">
-                <a14:useLocalDpi xmlns:a14="http://schemas.microsoft.com/office/drawing/2010/main" val="0"/>
-              </a:ext>
-            </a:extLst>
-          </a:blip>
-          <a:srcRect/>
-          <a:stretch>
-            <a:fillRect/>
-          </a:stretch>
-        </p:blipFill>
-        <p:spPr bwMode="auto">
-          <a:xfrm>
-            <a:off x="6516216" y="4077072"/>
-            <a:ext cx="2541577" cy="1977881"/>
-          </a:xfrm>
-          <a:prstGeom prst="rect">
-            <a:avLst/>
-          </a:prstGeom>
-          <a:noFill/>
-          <a:extLst>
-            <a:ext uri="{909E8E84-426E-40DD-AFC4-6F175D3DCCD1}">
-              <a14:hiddenFill xmlns:a14="http://schemas.microsoft.com/office/drawing/2010/main">
-                <a:solidFill>
-                  <a:srgbClr val="FFFFFF"/>
-                </a:solidFill>
-              </a14:hiddenFill>
-            </a:ext>
-          </a:extLst>
-        </p:spPr>
-      </p:pic>
-      <p:sp>
-        <p:nvSpPr>
-          <p:cNvPr id="67" name="Title 1"/>
-          <p:cNvSpPr>
-            <a:spLocks noGrp="1"/>
-          </p:cNvSpPr>
-          <p:nvPr>
-            <p:ph type="title"/>
-          </p:nvPr>
-        </p:nvSpPr>
-        <p:spPr>
-          <a:xfrm>
-            <a:off x="-12782" y="1340768"/>
-            <a:ext cx="1518008" cy="1027277"/>
-          </a:xfrm>
-        </p:spPr>
-        <p:txBody>
-          <a:bodyPr>
-            <a:normAutofit/>
-          </a:bodyPr>
-          <a:lstStyle/>
-          <a:p>
-            <a:r>
-              <a:rPr lang="en-US" dirty="0"/>
-              <a:t>1984</a:t>
-            </a:r>
-          </a:p>
-        </p:txBody>
-      </p:sp>
-      <p:sp>
-        <p:nvSpPr>
-          <p:cNvPr id="68" name="Title 1"/>
-          <p:cNvSpPr txBox="1">
-            <a:spLocks/>
-          </p:cNvSpPr>
-          <p:nvPr/>
-        </p:nvSpPr>
-        <p:spPr>
-          <a:xfrm>
-            <a:off x="2123728" y="97202"/>
-            <a:ext cx="1518008" cy="811518"/>
-          </a:xfrm>
-          <a:prstGeom prst="rect">
-            <a:avLst/>
-          </a:prstGeom>
-        </p:spPr>
-        <p:txBody>
-          <a:bodyPr vert="horz" lIns="91440" tIns="45720" rIns="91440" bIns="45720" rtlCol="0" anchor="ctr">
-            <a:normAutofit/>
-          </a:bodyPr>
-          <a:lstStyle>
-            <a:lvl1pPr algn="ctr" defTabSz="914400" rtl="0" eaLnBrk="1" latinLnBrk="0" hangingPunct="1">
-              <a:spcBef>
-                <a:spcPct val="0"/>
-              </a:spcBef>
-              <a:buNone/>
-              <a:defRPr sz="4400" b="1" kern="1200">
-                <a:solidFill>
-                  <a:srgbClr val="800000"/>
-                </a:solidFill>
-                <a:latin typeface="+mj-lt"/>
-                <a:ea typeface="+mj-ea"/>
-                <a:cs typeface="+mj-cs"/>
-              </a:defRPr>
-            </a:lvl1pPr>
-          </a:lstStyle>
-          <a:p>
-            <a:r>
-              <a:rPr lang="en-US" dirty="0"/>
-              <a:t>1992</a:t>
-            </a:r>
-          </a:p>
-        </p:txBody>
-      </p:sp>
-      <p:sp>
-        <p:nvSpPr>
-          <p:cNvPr id="69" name="Title 1"/>
-          <p:cNvSpPr txBox="1">
-            <a:spLocks/>
-          </p:cNvSpPr>
-          <p:nvPr/>
-        </p:nvSpPr>
-        <p:spPr>
-          <a:xfrm>
-            <a:off x="140588" y="3588979"/>
-            <a:ext cx="1518008" cy="811518"/>
-          </a:xfrm>
-          <a:prstGeom prst="rect">
-            <a:avLst/>
-          </a:prstGeom>
-        </p:spPr>
-        <p:txBody>
-          <a:bodyPr vert="horz" lIns="91440" tIns="45720" rIns="91440" bIns="45720" rtlCol="0" anchor="ctr">
-            <a:normAutofit/>
-          </a:bodyPr>
-          <a:lstStyle>
-            <a:lvl1pPr algn="ctr" defTabSz="914400" rtl="0" eaLnBrk="1" latinLnBrk="0" hangingPunct="1">
-              <a:spcBef>
-                <a:spcPct val="0"/>
-              </a:spcBef>
-              <a:buNone/>
-              <a:defRPr sz="4400" b="1" kern="1200">
-                <a:solidFill>
-                  <a:srgbClr val="800000"/>
-                </a:solidFill>
-                <a:latin typeface="+mj-lt"/>
-                <a:ea typeface="+mj-ea"/>
-                <a:cs typeface="+mj-cs"/>
-              </a:defRPr>
-            </a:lvl1pPr>
-          </a:lstStyle>
-          <a:p>
-            <a:r>
-              <a:rPr lang="en-US" dirty="0"/>
-              <a:t>2000</a:t>
-            </a:r>
-          </a:p>
-        </p:txBody>
-      </p:sp>
-      <p:sp>
-        <p:nvSpPr>
-          <p:cNvPr id="70" name="Title 1"/>
-          <p:cNvSpPr txBox="1">
-            <a:spLocks/>
-          </p:cNvSpPr>
-          <p:nvPr/>
-        </p:nvSpPr>
-        <p:spPr>
-          <a:xfrm>
-            <a:off x="6366360" y="3384226"/>
-            <a:ext cx="1518008" cy="811518"/>
-          </a:xfrm>
-          <a:prstGeom prst="rect">
-            <a:avLst/>
-          </a:prstGeom>
-        </p:spPr>
-        <p:txBody>
-          <a:bodyPr vert="horz" lIns="91440" tIns="45720" rIns="91440" bIns="45720" rtlCol="0" anchor="ctr">
-            <a:normAutofit/>
-          </a:bodyPr>
-          <a:lstStyle>
-            <a:lvl1pPr algn="ctr" defTabSz="914400" rtl="0" eaLnBrk="1" latinLnBrk="0" hangingPunct="1">
-              <a:spcBef>
-                <a:spcPct val="0"/>
-              </a:spcBef>
-              <a:buNone/>
-              <a:defRPr sz="4400" b="1" kern="1200">
-                <a:solidFill>
-                  <a:srgbClr val="800000"/>
-                </a:solidFill>
-                <a:latin typeface="+mj-lt"/>
-                <a:ea typeface="+mj-ea"/>
-                <a:cs typeface="+mj-cs"/>
-              </a:defRPr>
-            </a:lvl1pPr>
-          </a:lstStyle>
-          <a:p>
-            <a:r>
-              <a:rPr lang="en-US" dirty="0"/>
-              <a:t>2009</a:t>
-            </a:r>
-          </a:p>
-        </p:txBody>
-      </p:sp>
-      <p:pic>
-        <p:nvPicPr>
-          <p:cNvPr id="1054" name="Picture 30"/>
-          <p:cNvPicPr>
-            <a:picLocks noChangeAspect="1" noChangeArrowheads="1"/>
-          </p:cNvPicPr>
-          <p:nvPr/>
-        </p:nvPicPr>
-        <p:blipFill>
-          <a:blip r:embed="rId12" cstate="print">
-            <a:extLst>
-              <a:ext uri="{28A0092B-C50C-407E-A947-70E740481C1C}">
-                <a14:useLocalDpi xmlns:a14="http://schemas.microsoft.com/office/drawing/2010/main" val="0"/>
-              </a:ext>
-            </a:extLst>
-          </a:blip>
-          <a:srcRect/>
-          <a:stretch>
-            <a:fillRect/>
-          </a:stretch>
-        </p:blipFill>
-        <p:spPr bwMode="auto">
-          <a:xfrm>
-            <a:off x="6732240" y="836712"/>
-            <a:ext cx="2304256" cy="1666562"/>
-          </a:xfrm>
-          <a:prstGeom prst="rect">
-            <a:avLst/>
-          </a:prstGeom>
-          <a:noFill/>
-          <a:ln>
-            <a:noFill/>
-          </a:ln>
-          <a:effectLst/>
-          <a:extLst>
-            <a:ext uri="{909E8E84-426E-40DD-AFC4-6F175D3DCCD1}">
-              <a14:hiddenFill xmlns:a14="http://schemas.microsoft.com/office/drawing/2010/main">
-                <a:solidFill>
-                  <a:schemeClr val="accent1"/>
-                </a:solidFill>
-              </a14:hiddenFill>
-            </a:ext>
-            <a:ext uri="{91240B29-F687-4F45-9708-019B960494DF}">
-              <a14:hiddenLine xmlns:a14="http://schemas.microsoft.com/office/drawing/2010/main" w="9525">
-                <a:solidFill>
-                  <a:schemeClr val="tx1"/>
-                </a:solidFill>
-                <a:miter lim="800000"/>
-                <a:headEnd/>
-                <a:tailEnd/>
-              </a14:hiddenLine>
-            </a:ext>
-            <a:ext uri="{AF507438-7753-43E0-B8FC-AC1667EBCBE1}">
-              <a14:hiddenEffects xmlns:a14="http://schemas.microsoft.com/office/drawing/2010/main">
-                <a:effectLst>
-                  <a:outerShdw dist="35921" dir="2700000" algn="ctr" rotWithShape="0">
-                    <a:schemeClr val="bg2"/>
-                  </a:outerShdw>
-                </a:effectLst>
-              </a14:hiddenEffects>
-            </a:ext>
-          </a:extLst>
-        </p:spPr>
-      </p:pic>
-    </p:spTree>
-    <p:extLst>
-      <p:ext uri="{BB962C8B-B14F-4D97-AF65-F5344CB8AC3E}">
-        <p14:creationId xmlns:p14="http://schemas.microsoft.com/office/powerpoint/2010/main" val="3056532368"/>
-      </p:ext>
-    </p:extLst>
-  </p:cSld>
-  <p:clrMapOvr>
-    <a:masterClrMapping/>
-  </p:clrMapOvr>
-</p:sld>
-</file>
-
-<file path=ppt/slides/slide20.xml><?xml version="1.0" encoding="utf-8"?>
+<file path=ppt/slides/slide18.xml><?xml version="1.0" encoding="utf-8"?>
 <p:sld xmlns:a="http://schemas.openxmlformats.org/drawingml/2006/main" xmlns:r="http://schemas.openxmlformats.org/officeDocument/2006/relationships" xmlns:p="http://schemas.openxmlformats.org/presentationml/2006/main">
   <p:cSld>
     <p:spTree>
@@ -15838,7 +14444,7 @@
               <a:pPr>
                 <a:defRPr/>
               </a:pPr>
-              <a:t>20</a:t>
+              <a:t>18</a:t>
             </a:fld>
             <a:r>
               <a:rPr lang="en-US"/>
@@ -15867,7 +14473,7 @@
             </a:pPr>
             <a:r>
               <a:rPr lang="en-US" dirty="0"/>
-              <a:t>Laboratory for Percutaneous Surgery (The Perk Lab) – Copyright © Queen’s University, 2021</a:t>
+              <a:t>Laboratory for Percutaneous Surgery (The Perk Lab) – Copyright © Queen’s University, 2022</a:t>
             </a:r>
           </a:p>
         </p:txBody>
@@ -16468,414 +15074,7 @@
 </p:sld>
 </file>
 
-<file path=ppt/slides/slide21.xml><?xml version="1.0" encoding="utf-8"?>
-<p:sld xmlns:a="http://schemas.openxmlformats.org/drawingml/2006/main" xmlns:r="http://schemas.openxmlformats.org/officeDocument/2006/relationships" xmlns:p="http://schemas.openxmlformats.org/presentationml/2006/main" showMasterSp="0">
-  <p:cSld>
-    <p:bg>
-      <p:bgPr>
-        <a:solidFill>
-          <a:srgbClr val="FFFFFF"/>
-        </a:solidFill>
-        <a:effectLst/>
-      </p:bgPr>
-    </p:bg>
-    <p:spTree>
-      <p:nvGrpSpPr>
-        <p:cNvPr id="1" name=""/>
-        <p:cNvGrpSpPr/>
-        <p:nvPr/>
-      </p:nvGrpSpPr>
-      <p:grpSpPr>
-        <a:xfrm>
-          <a:off x="0" y="0"/>
-          <a:ext cx="0" cy="0"/>
-          <a:chOff x="0" y="0"/>
-          <a:chExt cx="0" cy="0"/>
-        </a:xfrm>
-      </p:grpSpPr>
-      <p:sp>
-        <p:nvSpPr>
-          <p:cNvPr id="2" name="Date Placeholder 1">
-            <a:extLst>
-              <a:ext uri="{FF2B5EF4-FFF2-40B4-BE49-F238E27FC236}">
-                <a16:creationId xmlns:a16="http://schemas.microsoft.com/office/drawing/2014/main" id="{9A50CBA9-9CED-445C-9B63-F21E87BE6B4A}"/>
-              </a:ext>
-            </a:extLst>
-          </p:cNvPr>
-          <p:cNvSpPr>
-            <a:spLocks noGrp="1"/>
-          </p:cNvSpPr>
-          <p:nvPr>
-            <p:ph type="dt" sz="half" idx="10"/>
-          </p:nvPr>
-        </p:nvSpPr>
-        <p:spPr/>
-        <p:txBody>
-          <a:bodyPr/>
-          <a:lstStyle/>
-          <a:p>
-            <a:fld id="{7EC20259-AFA4-42BB-B1F2-1723D3175E09}" type="datetime1">
-              <a:rPr lang="en-CA" smtClean="0"/>
-              <a:pPr/>
-              <a:t>2021-05-05</a:t>
-            </a:fld>
-            <a:endParaRPr lang="en-CA"/>
-          </a:p>
-        </p:txBody>
-      </p:sp>
-      <p:sp>
-        <p:nvSpPr>
-          <p:cNvPr id="3" name="Footer Placeholder 2">
-            <a:extLst>
-              <a:ext uri="{FF2B5EF4-FFF2-40B4-BE49-F238E27FC236}">
-                <a16:creationId xmlns:a16="http://schemas.microsoft.com/office/drawing/2014/main" id="{C0297FEA-C161-47D6-867F-718561FBD98C}"/>
-              </a:ext>
-            </a:extLst>
-          </p:cNvPr>
-          <p:cNvSpPr>
-            <a:spLocks noGrp="1"/>
-          </p:cNvSpPr>
-          <p:nvPr>
-            <p:ph type="ftr" sz="quarter" idx="11"/>
-          </p:nvPr>
-        </p:nvSpPr>
-        <p:spPr/>
-        <p:txBody>
-          <a:bodyPr/>
-          <a:lstStyle/>
-          <a:p>
-            <a:r>
-              <a:rPr lang="en-US"/>
-              <a:t>Laboratory for Percutaneous Surgery (The Perk Lab) – Copyright © Queen’s University, 2021</a:t>
-            </a:r>
-            <a:endParaRPr lang="en-US" dirty="0"/>
-          </a:p>
-        </p:txBody>
-      </p:sp>
-      <p:sp>
-        <p:nvSpPr>
-          <p:cNvPr id="4" name="Slide Number Placeholder 3">
-            <a:extLst>
-              <a:ext uri="{FF2B5EF4-FFF2-40B4-BE49-F238E27FC236}">
-                <a16:creationId xmlns:a16="http://schemas.microsoft.com/office/drawing/2014/main" id="{D8CF798B-926C-4E1A-B5D3-DD801A44476B}"/>
-              </a:ext>
-            </a:extLst>
-          </p:cNvPr>
-          <p:cNvSpPr>
-            <a:spLocks noGrp="1"/>
-          </p:cNvSpPr>
-          <p:nvPr>
-            <p:ph type="sldNum" sz="quarter" idx="12"/>
-          </p:nvPr>
-        </p:nvSpPr>
-        <p:spPr/>
-        <p:txBody>
-          <a:bodyPr/>
-          <a:lstStyle/>
-          <a:p>
-            <a:fld id="{090008EC-8F43-4B00-B358-048442A1BFBF}" type="slidenum">
-              <a:rPr lang="en-CA" smtClean="0"/>
-              <a:pPr/>
-              <a:t>21</a:t>
-            </a:fld>
-            <a:endParaRPr lang="en-CA" dirty="0"/>
-          </a:p>
-        </p:txBody>
-      </p:sp>
-      <p:pic>
-        <p:nvPicPr>
-          <p:cNvPr id="6" name="Picture 5">
-            <a:extLst>
-              <a:ext uri="{FF2B5EF4-FFF2-40B4-BE49-F238E27FC236}">
-                <a16:creationId xmlns:a16="http://schemas.microsoft.com/office/drawing/2014/main" id="{F2E035ED-D2A0-4A02-8CA2-B050C9D2F7C8}"/>
-              </a:ext>
-            </a:extLst>
-          </p:cNvPr>
-          <p:cNvPicPr>
-            <a:picLocks/>
-          </p:cNvPicPr>
-          <p:nvPr>
-            <p:custDataLst>
-              <p:tags r:id="rId2"/>
-            </p:custDataLst>
-          </p:nvPr>
-        </p:nvPicPr>
-        <p:blipFill>
-          <a:blip r:embed="rId6" cstate="print">
-            <a:extLst>
-              <a:ext uri="{28A0092B-C50C-407E-A947-70E740481C1C}">
-                <a14:useLocalDpi xmlns:a14="http://schemas.microsoft.com/office/drawing/2010/main" val="0"/>
-              </a:ext>
-            </a:extLst>
-          </a:blip>
-          <a:stretch>
-            <a:fillRect/>
-          </a:stretch>
-        </p:blipFill>
-        <p:spPr>
-          <a:xfrm>
-            <a:off x="4114800" y="665953"/>
-            <a:ext cx="914400" cy="382594"/>
-          </a:xfrm>
-          <a:prstGeom prst="rect">
-            <a:avLst/>
-          </a:prstGeom>
-        </p:spPr>
-      </p:pic>
-      <p:sp>
-        <p:nvSpPr>
-          <p:cNvPr id="7" name="Rectangle 6">
-            <a:extLst>
-              <a:ext uri="{FF2B5EF4-FFF2-40B4-BE49-F238E27FC236}">
-                <a16:creationId xmlns:a16="http://schemas.microsoft.com/office/drawing/2014/main" id="{84323D58-B375-422C-A08B-BB4F2959855F}"/>
-              </a:ext>
-            </a:extLst>
-          </p:cNvPr>
-          <p:cNvSpPr/>
-          <p:nvPr>
-            <p:custDataLst>
-              <p:tags r:id="rId3"/>
-            </p:custDataLst>
-          </p:nvPr>
-        </p:nvSpPr>
-        <p:spPr>
-          <a:xfrm>
-            <a:off x="0" y="1714500"/>
-            <a:ext cx="9144000" cy="3429000"/>
-          </a:xfrm>
-          <a:prstGeom prst="rect">
-            <a:avLst/>
-          </a:prstGeom>
-          <a:solidFill>
-            <a:srgbClr val="FFFFFF"/>
-          </a:solidFill>
-          <a:ln>
-            <a:solidFill>
-              <a:srgbClr val="FFFFFF"/>
-            </a:solidFill>
-          </a:ln>
-        </p:spPr>
-        <p:style>
-          <a:lnRef idx="2">
-            <a:schemeClr val="accent1">
-              <a:shade val="50000"/>
-            </a:schemeClr>
-          </a:lnRef>
-          <a:fillRef idx="1">
-            <a:schemeClr val="accent1"/>
-          </a:fillRef>
-          <a:effectRef idx="0">
-            <a:schemeClr val="accent1"/>
-          </a:effectRef>
-          <a:fontRef idx="minor">
-            <a:schemeClr val="lt1"/>
-          </a:fontRef>
-        </p:style>
-        <p:txBody>
-          <a:bodyPr rtlCol="0" anchor="ctr"/>
-          <a:lstStyle/>
-          <a:p>
-            <a:pPr algn="ctr"/>
-            <a:r>
-              <a:rPr lang="en-US" sz="3600">
-                <a:solidFill>
-                  <a:srgbClr val="424242"/>
-                </a:solidFill>
-              </a:rPr>
-              <a:t>Which 4 names are correct?</a:t>
-            </a:r>
-            <a:endParaRPr lang="en-CA" sz="3600">
-              <a:solidFill>
-                <a:srgbClr val="424242"/>
-              </a:solidFill>
-            </a:endParaRPr>
-          </a:p>
-        </p:txBody>
-      </p:sp>
-      <p:sp>
-        <p:nvSpPr>
-          <p:cNvPr id="8" name="Rectangle 7">
-            <a:extLst>
-              <a:ext uri="{FF2B5EF4-FFF2-40B4-BE49-F238E27FC236}">
-                <a16:creationId xmlns:a16="http://schemas.microsoft.com/office/drawing/2014/main" id="{642BE4E1-5AAE-40CA-A70A-F703D4AFD006}"/>
-              </a:ext>
-            </a:extLst>
-          </p:cNvPr>
-          <p:cNvSpPr/>
-          <p:nvPr>
-            <p:custDataLst>
-              <p:tags r:id="rId4"/>
-            </p:custDataLst>
-          </p:nvPr>
-        </p:nvSpPr>
-        <p:spPr>
-          <a:xfrm>
-            <a:off x="0" y="5143500"/>
-            <a:ext cx="9144000" cy="1714500"/>
-          </a:xfrm>
-          <a:prstGeom prst="rect">
-            <a:avLst/>
-          </a:prstGeom>
-          <a:solidFill>
-            <a:srgbClr val="FFFFFF"/>
-          </a:solidFill>
-          <a:ln w="25400" cap="flat" cmpd="sng" algn="ctr">
-            <a:noFill/>
-            <a:prstDash val="solid"/>
-          </a:ln>
-          <a:effectLst/>
-          <a:extLst>
-            <a:ext uri="{91240B29-F687-4F45-9708-019B960494DF}">
-              <a14:hiddenLine xmlns:a14="http://schemas.microsoft.com/office/drawing/2010/main" w="25400" cap="flat" cmpd="sng" algn="ctr">
-                <a:solidFill>
-                  <a:schemeClr val="accent1">
-                    <a:shade val="50000"/>
-                  </a:schemeClr>
-                </a:solidFill>
-                <a:prstDash val="solid"/>
-              </a14:hiddenLine>
-            </a:ext>
-          </a:extLst>
-        </p:spPr>
-        <p:style>
-          <a:lnRef idx="2">
-            <a:schemeClr val="accent1">
-              <a:shade val="50000"/>
-            </a:schemeClr>
-          </a:lnRef>
-          <a:fillRef idx="1">
-            <a:schemeClr val="accent1"/>
-          </a:fillRef>
-          <a:effectRef idx="0">
-            <a:schemeClr val="accent1"/>
-          </a:effectRef>
-          <a:fontRef idx="minor">
-            <a:schemeClr val="lt1"/>
-          </a:fontRef>
-        </p:style>
-        <p:txBody>
-          <a:bodyPr rtlCol="0" anchor="ctr"/>
-          <a:lstStyle/>
-          <a:p>
-            <a:pPr algn="ctr"/>
-            <a:r>
-              <a:rPr lang="en-US" sz="1300" b="1">
-                <a:solidFill>
-                  <a:srgbClr val="39AC37"/>
-                </a:solidFill>
-              </a:rPr>
-              <a:t>ⓘ</a:t>
-            </a:r>
-            <a:r>
-              <a:rPr lang="en-US" sz="1400">
-                <a:solidFill>
-                  <a:srgbClr val="424242"/>
-                </a:solidFill>
-              </a:rPr>
-              <a:t> Start presenting to display the poll results on this slide.</a:t>
-            </a:r>
-            <a:endParaRPr lang="en-CA" sz="1400">
-              <a:solidFill>
-                <a:srgbClr val="424242"/>
-              </a:solidFill>
-            </a:endParaRPr>
-          </a:p>
-        </p:txBody>
-      </p:sp>
-    </p:spTree>
-    <p:custDataLst>
-      <p:tags r:id="rId1"/>
-    </p:custDataLst>
-    <p:extLst>
-      <p:ext uri="{BB962C8B-B14F-4D97-AF65-F5344CB8AC3E}">
-        <p14:creationId xmlns:p14="http://schemas.microsoft.com/office/powerpoint/2010/main" val="1242056159"/>
-      </p:ext>
-    </p:extLst>
-  </p:cSld>
-  <p:clrMapOvr>
-    <a:masterClrMapping/>
-  </p:clrMapOvr>
-  <p:timing>
-    <p:tnLst>
-      <p:par>
-        <p:cTn id="1" dur="indefinite" restart="never" nodeType="tmRoot">
-          <p:childTnLst>
-            <p:seq concurrent="1" nextAc="seek">
-              <p:cTn id="2" dur="indefinite" nodeType="mainSeq">
-                <p:childTnLst>
-                  <p:par>
-                    <p:cTn id="3" fill="hold">
-                      <p:stCondLst>
-                        <p:cond delay="indefinite"/>
-                      </p:stCondLst>
-                      <p:childTnLst>
-                        <p:par>
-                          <p:cTn id="4" fill="hold">
-                            <p:stCondLst>
-                              <p:cond delay="0"/>
-                            </p:stCondLst>
-                            <p:childTnLst>
-                              <p:par>
-                                <p:cTn id="5" presetID="26" presetClass="emph" presetSubtype="0" fill="hold" grpId="0" nodeType="clickEffect">
-                                  <p:stCondLst>
-                                    <p:cond delay="0"/>
-                                  </p:stCondLst>
-                                  <p:childTnLst>
-                                    <p:animEffect transition="out" filter="fade">
-                                      <p:cBhvr>
-                                        <p:cTn id="6" dur="50" tmFilter="0, 0; .2, .5; .8, .5; 1, 0"/>
-                                        <p:tgtEl>
-                                          <p:spTgt spid="7"/>
-                                        </p:tgtEl>
-                                      </p:cBhvr>
-                                    </p:animEffect>
-                                    <p:animScale>
-                                      <p:cBhvr>
-                                        <p:cTn id="7" dur="25" autoRev="1" fill="hold"/>
-                                        <p:tgtEl>
-                                          <p:spTgt spid="7"/>
-                                        </p:tgtEl>
-                                      </p:cBhvr>
-                                      <p:by x="105000" y="105000"/>
-                                    </p:animScale>
-                                  </p:childTnLst>
-                                </p:cTn>
-                              </p:par>
-                            </p:childTnLst>
-                          </p:cTn>
-                        </p:par>
-                      </p:childTnLst>
-                    </p:cTn>
-                  </p:par>
-                </p:childTnLst>
-              </p:cTn>
-              <p:prevCondLst>
-                <p:cond evt="onPrev" delay="0">
-                  <p:tgtEl>
-                    <p:sldTgt/>
-                  </p:tgtEl>
-                </p:cond>
-              </p:prevCondLst>
-              <p:nextCondLst>
-                <p:cond evt="onNext" delay="0">
-                  <p:tgtEl>
-                    <p:sldTgt/>
-                  </p:tgtEl>
-                </p:cond>
-              </p:nextCondLst>
-            </p:seq>
-          </p:childTnLst>
-        </p:cTn>
-      </p:par>
-    </p:tnLst>
-    <p:bldLst>
-      <p:bldP spid="7" grpId="0" animBg="1"/>
-    </p:bldLst>
-  </p:timing>
-</p:sld>
-</file>
-
-<file path=ppt/slides/slide22.xml><?xml version="1.0" encoding="utf-8"?>
+<file path=ppt/slides/slide19.xml><?xml version="1.0" encoding="utf-8"?>
 <p:sld xmlns:a="http://schemas.openxmlformats.org/drawingml/2006/main" xmlns:r="http://schemas.openxmlformats.org/officeDocument/2006/relationships" xmlns:p="http://schemas.openxmlformats.org/presentationml/2006/main">
   <p:cSld>
     <p:spTree>
@@ -16949,7 +15148,7 @@
               <a:pPr>
                 <a:defRPr/>
               </a:pPr>
-              <a:t>22</a:t>
+              <a:t>19</a:t>
             </a:fld>
             <a:r>
               <a:rPr lang="en-US"/>
@@ -16978,7 +15177,7 @@
             </a:pPr>
             <a:r>
               <a:rPr lang="en-US" dirty="0"/>
-              <a:t>Laboratory for Percutaneous Surgery (The Perk Lab) – Copyright © Queen’s University, 2021</a:t>
+              <a:t>Laboratory for Percutaneous Surgery (The Perk Lab) – Copyright © Queen’s University, 2022</a:t>
             </a:r>
           </a:p>
         </p:txBody>
@@ -17397,7 +15596,740 @@
 </p:sld>
 </file>
 
-<file path=ppt/slides/slide23.xml><?xml version="1.0" encoding="utf-8"?>
+<file path=ppt/slides/slide2.xml><?xml version="1.0" encoding="utf-8"?>
+<p:sld xmlns:a="http://schemas.openxmlformats.org/drawingml/2006/main" xmlns:r="http://schemas.openxmlformats.org/officeDocument/2006/relationships" xmlns:p="http://schemas.openxmlformats.org/presentationml/2006/main">
+  <p:cSld>
+    <p:spTree>
+      <p:nvGrpSpPr>
+        <p:cNvPr id="1" name=""/>
+        <p:cNvGrpSpPr/>
+        <p:nvPr/>
+      </p:nvGrpSpPr>
+      <p:grpSpPr>
+        <a:xfrm>
+          <a:off x="0" y="0"/>
+          <a:ext cx="0" cy="0"/>
+          <a:chOff x="0" y="0"/>
+          <a:chExt cx="0" cy="0"/>
+        </a:xfrm>
+      </p:grpSpPr>
+      <p:sp>
+        <p:nvSpPr>
+          <p:cNvPr id="5" name="Slide Number Placeholder 9"/>
+          <p:cNvSpPr>
+            <a:spLocks noGrp="1"/>
+          </p:cNvSpPr>
+          <p:nvPr>
+            <p:ph type="sldNum" sz="quarter" idx="10"/>
+          </p:nvPr>
+        </p:nvSpPr>
+        <p:spPr/>
+        <p:txBody>
+          <a:bodyPr/>
+          <a:lstStyle>
+            <a:lvl1pPr>
+              <a:defRPr/>
+            </a:lvl1pPr>
+          </a:lstStyle>
+          <a:p>
+            <a:pPr>
+              <a:defRPr/>
+            </a:pPr>
+            <a:r>
+              <a:rPr lang="en-US"/>
+              <a:t>- </a:t>
+            </a:r>
+            <a:fld id="{5BFBA2BC-CB0A-4E3B-9671-75DD39CEE869}" type="slidenum">
+              <a:rPr lang="en-US"/>
+              <a:pPr>
+                <a:defRPr/>
+              </a:pPr>
+              <a:t>2</a:t>
+            </a:fld>
+            <a:r>
+              <a:rPr lang="en-US"/>
+              <a:t> -</a:t>
+            </a:r>
+          </a:p>
+        </p:txBody>
+      </p:sp>
+      <p:sp>
+        <p:nvSpPr>
+          <p:cNvPr id="6" name="Footer Placeholder 10"/>
+          <p:cNvSpPr>
+            <a:spLocks noGrp="1"/>
+          </p:cNvSpPr>
+          <p:nvPr>
+            <p:ph type="ftr" sz="quarter" idx="11"/>
+          </p:nvPr>
+        </p:nvSpPr>
+        <p:spPr/>
+        <p:txBody>
+          <a:bodyPr/>
+          <a:lstStyle>
+            <a:lvl1pPr>
+              <a:defRPr/>
+            </a:lvl1pPr>
+          </a:lstStyle>
+          <a:p>
+            <a:pPr>
+              <a:defRPr/>
+            </a:pPr>
+            <a:r>
+              <a:rPr lang="en-US" dirty="0"/>
+              <a:t>Laboratory for Percutaneous Surgery (The Perk Lab) – Copyright © Queen’s University, 2022</a:t>
+            </a:r>
+          </a:p>
+        </p:txBody>
+      </p:sp>
+      <p:pic>
+        <p:nvPicPr>
+          <p:cNvPr id="1028" name="Picture 4" descr="Click to view full size image"/>
+          <p:cNvPicPr>
+            <a:picLocks noChangeAspect="1" noChangeArrowheads="1"/>
+          </p:cNvPicPr>
+          <p:nvPr/>
+        </p:nvPicPr>
+        <p:blipFill rotWithShape="1">
+          <a:blip r:embed="rId2" cstate="print">
+            <a:extLst>
+              <a:ext uri="{28A0092B-C50C-407E-A947-70E740481C1C}">
+                <a14:useLocalDpi xmlns:a14="http://schemas.microsoft.com/office/drawing/2010/main" val="0"/>
+              </a:ext>
+            </a:extLst>
+          </a:blip>
+          <a:srcRect l="14285" t="4288" r="14763" b="4961"/>
+          <a:stretch/>
+        </p:blipFill>
+        <p:spPr bwMode="auto">
+          <a:xfrm>
+            <a:off x="174711" y="188640"/>
+            <a:ext cx="1983091" cy="1426761"/>
+          </a:xfrm>
+          <a:prstGeom prst="rect">
+            <a:avLst/>
+          </a:prstGeom>
+          <a:noFill/>
+          <a:extLst>
+            <a:ext uri="{909E8E84-426E-40DD-AFC4-6F175D3DCCD1}">
+              <a14:hiddenFill xmlns:a14="http://schemas.microsoft.com/office/drawing/2010/main">
+                <a:solidFill>
+                  <a:srgbClr val="FFFFFF"/>
+                </a:solidFill>
+              </a14:hiddenFill>
+            </a:ext>
+          </a:extLst>
+        </p:spPr>
+      </p:pic>
+      <p:pic>
+        <p:nvPicPr>
+          <p:cNvPr id="1038" name="Picture 14" descr="http://www.gateway-medical.com/images/GE%20Innova2100.jpg"/>
+          <p:cNvPicPr>
+            <a:picLocks noChangeAspect="1" noChangeArrowheads="1"/>
+          </p:cNvPicPr>
+          <p:nvPr/>
+        </p:nvPicPr>
+        <p:blipFill>
+          <a:blip r:embed="rId3">
+            <a:extLst>
+              <a:ext uri="{28A0092B-C50C-407E-A947-70E740481C1C}">
+                <a14:useLocalDpi xmlns:a14="http://schemas.microsoft.com/office/drawing/2010/main" val="0"/>
+              </a:ext>
+            </a:extLst>
+          </a:blip>
+          <a:srcRect/>
+          <a:stretch>
+            <a:fillRect/>
+          </a:stretch>
+        </p:blipFill>
+        <p:spPr bwMode="auto">
+          <a:xfrm>
+            <a:off x="1445058" y="2564904"/>
+            <a:ext cx="2384309" cy="2318729"/>
+          </a:xfrm>
+          <a:prstGeom prst="rect">
+            <a:avLst/>
+          </a:prstGeom>
+          <a:noFill/>
+          <a:extLst>
+            <a:ext uri="{909E8E84-426E-40DD-AFC4-6F175D3DCCD1}">
+              <a14:hiddenFill xmlns:a14="http://schemas.microsoft.com/office/drawing/2010/main">
+                <a:solidFill>
+                  <a:srgbClr val="FFFFFF"/>
+                </a:solidFill>
+              </a14:hiddenFill>
+            </a:ext>
+          </a:extLst>
+        </p:spPr>
+      </p:pic>
+      <p:pic>
+        <p:nvPicPr>
+          <p:cNvPr id="1032" name="Picture 8" descr="http://www.gehealthcare.com/international/aw/images/stenosis-analysis_img01_large.jpg"/>
+          <p:cNvPicPr>
+            <a:picLocks noChangeAspect="1" noChangeArrowheads="1"/>
+          </p:cNvPicPr>
+          <p:nvPr/>
+        </p:nvPicPr>
+        <p:blipFill>
+          <a:blip r:embed="rId4" cstate="print">
+            <a:extLst>
+              <a:ext uri="{28A0092B-C50C-407E-A947-70E740481C1C}">
+                <a14:useLocalDpi xmlns:a14="http://schemas.microsoft.com/office/drawing/2010/main" val="0"/>
+              </a:ext>
+            </a:extLst>
+          </a:blip>
+          <a:srcRect/>
+          <a:stretch>
+            <a:fillRect/>
+          </a:stretch>
+        </p:blipFill>
+        <p:spPr bwMode="auto">
+          <a:xfrm>
+            <a:off x="406568" y="4546749"/>
+            <a:ext cx="1933184" cy="1546547"/>
+          </a:xfrm>
+          <a:prstGeom prst="rect">
+            <a:avLst/>
+          </a:prstGeom>
+          <a:noFill/>
+          <a:extLst>
+            <a:ext uri="{909E8E84-426E-40DD-AFC4-6F175D3DCCD1}">
+              <a14:hiddenFill xmlns:a14="http://schemas.microsoft.com/office/drawing/2010/main">
+                <a:solidFill>
+                  <a:srgbClr val="FFFFFF"/>
+                </a:solidFill>
+              </a14:hiddenFill>
+            </a:ext>
+          </a:extLst>
+        </p:spPr>
+      </p:pic>
+      <p:pic>
+        <p:nvPicPr>
+          <p:cNvPr id="1036" name="Picture 12" descr="http://www.gehealthcare.com/international/aw/images/left-ventricle-analysis_img01_large.jpg"/>
+          <p:cNvPicPr>
+            <a:picLocks noChangeAspect="1" noChangeArrowheads="1"/>
+          </p:cNvPicPr>
+          <p:nvPr/>
+        </p:nvPicPr>
+        <p:blipFill>
+          <a:blip r:embed="rId5" cstate="print">
+            <a:extLst>
+              <a:ext uri="{28A0092B-C50C-407E-A947-70E740481C1C}">
+                <a14:useLocalDpi xmlns:a14="http://schemas.microsoft.com/office/drawing/2010/main" val="0"/>
+              </a:ext>
+            </a:extLst>
+          </a:blip>
+          <a:srcRect/>
+          <a:stretch>
+            <a:fillRect/>
+          </a:stretch>
+        </p:blipFill>
+        <p:spPr bwMode="auto">
+          <a:xfrm>
+            <a:off x="1846672" y="4879830"/>
+            <a:ext cx="1876872" cy="1501498"/>
+          </a:xfrm>
+          <a:prstGeom prst="rect">
+            <a:avLst/>
+          </a:prstGeom>
+          <a:noFill/>
+          <a:extLst>
+            <a:ext uri="{909E8E84-426E-40DD-AFC4-6F175D3DCCD1}">
+              <a14:hiddenFill xmlns:a14="http://schemas.microsoft.com/office/drawing/2010/main">
+                <a:solidFill>
+                  <a:srgbClr val="FFFFFF"/>
+                </a:solidFill>
+              </a14:hiddenFill>
+            </a:ext>
+          </a:extLst>
+        </p:spPr>
+      </p:pic>
+      <p:pic>
+        <p:nvPicPr>
+          <p:cNvPr id="1042" name="Picture 18" descr="Innova TrackVision Trajectory Plan"/>
+          <p:cNvPicPr>
+            <a:picLocks noChangeAspect="1" noChangeArrowheads="1"/>
+          </p:cNvPicPr>
+          <p:nvPr/>
+        </p:nvPicPr>
+        <p:blipFill rotWithShape="1">
+          <a:blip r:embed="rId6">
+            <a:extLst>
+              <a:ext uri="{28A0092B-C50C-407E-A947-70E740481C1C}">
+                <a14:useLocalDpi xmlns:a14="http://schemas.microsoft.com/office/drawing/2010/main" val="0"/>
+              </a:ext>
+            </a:extLst>
+          </a:blip>
+          <a:srcRect l="4513" t="4611" r="4131" b="21167"/>
+          <a:stretch/>
+        </p:blipFill>
+        <p:spPr bwMode="auto">
+          <a:xfrm>
+            <a:off x="3491881" y="4324683"/>
+            <a:ext cx="2448271" cy="1762834"/>
+          </a:xfrm>
+          <a:prstGeom prst="rect">
+            <a:avLst/>
+          </a:prstGeom>
+          <a:noFill/>
+          <a:extLst>
+            <a:ext uri="{909E8E84-426E-40DD-AFC4-6F175D3DCCD1}">
+              <a14:hiddenFill xmlns:a14="http://schemas.microsoft.com/office/drawing/2010/main">
+                <a:solidFill>
+                  <a:srgbClr val="FFFFFF"/>
+                </a:solidFill>
+              </a14:hiddenFill>
+            </a:ext>
+          </a:extLst>
+        </p:spPr>
+      </p:pic>
+      <p:pic>
+        <p:nvPicPr>
+          <p:cNvPr id="1040" name="Picture 16" descr="http://www.gehealthcare.com/international/aw/images/innovaepvision_img01_large.jpg"/>
+          <p:cNvPicPr>
+            <a:picLocks noChangeAspect="1" noChangeArrowheads="1"/>
+          </p:cNvPicPr>
+          <p:nvPr/>
+        </p:nvPicPr>
+        <p:blipFill>
+          <a:blip r:embed="rId7" cstate="print">
+            <a:extLst>
+              <a:ext uri="{28A0092B-C50C-407E-A947-70E740481C1C}">
+                <a14:useLocalDpi xmlns:a14="http://schemas.microsoft.com/office/drawing/2010/main" val="0"/>
+              </a:ext>
+            </a:extLst>
+          </a:blip>
+          <a:srcRect/>
+          <a:stretch>
+            <a:fillRect/>
+          </a:stretch>
+        </p:blipFill>
+        <p:spPr bwMode="auto">
+          <a:xfrm>
+            <a:off x="3851920" y="2909145"/>
+            <a:ext cx="2450019" cy="1960015"/>
+          </a:xfrm>
+          <a:prstGeom prst="rect">
+            <a:avLst/>
+          </a:prstGeom>
+          <a:noFill/>
+          <a:extLst>
+            <a:ext uri="{909E8E84-426E-40DD-AFC4-6F175D3DCCD1}">
+              <a14:hiddenFill xmlns:a14="http://schemas.microsoft.com/office/drawing/2010/main">
+                <a:solidFill>
+                  <a:srgbClr val="FFFFFF"/>
+                </a:solidFill>
+              </a14:hiddenFill>
+            </a:ext>
+          </a:extLst>
+        </p:spPr>
+      </p:pic>
+      <p:pic>
+        <p:nvPicPr>
+          <p:cNvPr id="1026" name="Picture 2" descr="http://www.designworldonline.com/uploads/Imagegallery/SMT-pick-and-place-system.jpg"/>
+          <p:cNvPicPr>
+            <a:picLocks noChangeAspect="1" noChangeArrowheads="1"/>
+          </p:cNvPicPr>
+          <p:nvPr/>
+        </p:nvPicPr>
+        <p:blipFill>
+          <a:blip r:embed="rId8">
+            <a:extLst>
+              <a:ext uri="{28A0092B-C50C-407E-A947-70E740481C1C}">
+                <a14:useLocalDpi xmlns:a14="http://schemas.microsoft.com/office/drawing/2010/main" val="0"/>
+              </a:ext>
+            </a:extLst>
+          </a:blip>
+          <a:srcRect/>
+          <a:stretch>
+            <a:fillRect/>
+          </a:stretch>
+        </p:blipFill>
+        <p:spPr bwMode="auto">
+          <a:xfrm>
+            <a:off x="1532024" y="749097"/>
+            <a:ext cx="2823952" cy="1959823"/>
+          </a:xfrm>
+          <a:prstGeom prst="rect">
+            <a:avLst/>
+          </a:prstGeom>
+          <a:noFill/>
+          <a:extLst>
+            <a:ext uri="{909E8E84-426E-40DD-AFC4-6F175D3DCCD1}">
+              <a14:hiddenFill xmlns:a14="http://schemas.microsoft.com/office/drawing/2010/main">
+                <a:solidFill>
+                  <a:srgbClr val="FFFFFF"/>
+                </a:solidFill>
+              </a14:hiddenFill>
+            </a:ext>
+          </a:extLst>
+        </p:spPr>
+      </p:pic>
+      <p:pic>
+        <p:nvPicPr>
+          <p:cNvPr id="1050" name="Picture 26" descr="http://www.radixlab.net/andraslasso/sites/default/files/cubedf1.gif"/>
+          <p:cNvPicPr>
+            <a:picLocks noChangeAspect="1" noChangeArrowheads="1"/>
+          </p:cNvPicPr>
+          <p:nvPr/>
+        </p:nvPicPr>
+        <p:blipFill>
+          <a:blip r:embed="rId9">
+            <a:extLst>
+              <a:ext uri="{28A0092B-C50C-407E-A947-70E740481C1C}">
+                <a14:useLocalDpi xmlns:a14="http://schemas.microsoft.com/office/drawing/2010/main" val="0"/>
+              </a:ext>
+            </a:extLst>
+          </a:blip>
+          <a:srcRect/>
+          <a:stretch>
+            <a:fillRect/>
+          </a:stretch>
+        </p:blipFill>
+        <p:spPr bwMode="auto">
+          <a:xfrm>
+            <a:off x="3635896" y="836712"/>
+            <a:ext cx="1890210" cy="1512168"/>
+          </a:xfrm>
+          <a:prstGeom prst="rect">
+            <a:avLst/>
+          </a:prstGeom>
+          <a:noFill/>
+          <a:extLst>
+            <a:ext uri="{909E8E84-426E-40DD-AFC4-6F175D3DCCD1}">
+              <a14:hiddenFill xmlns:a14="http://schemas.microsoft.com/office/drawing/2010/main">
+                <a:solidFill>
+                  <a:srgbClr val="FFFFFF"/>
+                </a:solidFill>
+              </a14:hiddenFill>
+            </a:ext>
+          </a:extLst>
+        </p:spPr>
+      </p:pic>
+      <p:pic>
+        <p:nvPicPr>
+          <p:cNvPr id="1046" name="Picture 22" descr="http://emalog.hu/kepek/szoftver/inda.gif"/>
+          <p:cNvPicPr>
+            <a:picLocks noChangeAspect="1" noChangeArrowheads="1"/>
+          </p:cNvPicPr>
+          <p:nvPr/>
+        </p:nvPicPr>
+        <p:blipFill>
+          <a:blip r:embed="rId10">
+            <a:extLst>
+              <a:ext uri="{28A0092B-C50C-407E-A947-70E740481C1C}">
+                <a14:useLocalDpi xmlns:a14="http://schemas.microsoft.com/office/drawing/2010/main" val="0"/>
+              </a:ext>
+            </a:extLst>
+          </a:blip>
+          <a:srcRect/>
+          <a:stretch>
+            <a:fillRect/>
+          </a:stretch>
+        </p:blipFill>
+        <p:spPr bwMode="auto">
+          <a:xfrm>
+            <a:off x="5076056" y="173033"/>
+            <a:ext cx="2684236" cy="1815807"/>
+          </a:xfrm>
+          <a:prstGeom prst="rect">
+            <a:avLst/>
+          </a:prstGeom>
+          <a:noFill/>
+          <a:extLst>
+            <a:ext uri="{909E8E84-426E-40DD-AFC4-6F175D3DCCD1}">
+              <a14:hiddenFill xmlns:a14="http://schemas.microsoft.com/office/drawing/2010/main">
+                <a:solidFill>
+                  <a:srgbClr val="FFFFFF"/>
+                </a:solidFill>
+              </a14:hiddenFill>
+            </a:ext>
+          </a:extLst>
+        </p:spPr>
+      </p:pic>
+      <p:pic>
+        <p:nvPicPr>
+          <p:cNvPr id="1052" name="Picture 28" descr="File:ProstateNav361Calibration.png"/>
+          <p:cNvPicPr>
+            <a:picLocks noChangeAspect="1" noChangeArrowheads="1"/>
+          </p:cNvPicPr>
+          <p:nvPr/>
+        </p:nvPicPr>
+        <p:blipFill>
+          <a:blip r:embed="rId11" cstate="print">
+            <a:extLst>
+              <a:ext uri="{28A0092B-C50C-407E-A947-70E740481C1C}">
+                <a14:useLocalDpi xmlns:a14="http://schemas.microsoft.com/office/drawing/2010/main" val="0"/>
+              </a:ext>
+            </a:extLst>
+          </a:blip>
+          <a:srcRect/>
+          <a:stretch>
+            <a:fillRect/>
+          </a:stretch>
+        </p:blipFill>
+        <p:spPr bwMode="auto">
+          <a:xfrm>
+            <a:off x="6516216" y="4077072"/>
+            <a:ext cx="2541577" cy="1977881"/>
+          </a:xfrm>
+          <a:prstGeom prst="rect">
+            <a:avLst/>
+          </a:prstGeom>
+          <a:noFill/>
+          <a:extLst>
+            <a:ext uri="{909E8E84-426E-40DD-AFC4-6F175D3DCCD1}">
+              <a14:hiddenFill xmlns:a14="http://schemas.microsoft.com/office/drawing/2010/main">
+                <a:solidFill>
+                  <a:srgbClr val="FFFFFF"/>
+                </a:solidFill>
+              </a14:hiddenFill>
+            </a:ext>
+          </a:extLst>
+        </p:spPr>
+      </p:pic>
+      <p:sp>
+        <p:nvSpPr>
+          <p:cNvPr id="67" name="Title 1"/>
+          <p:cNvSpPr>
+            <a:spLocks noGrp="1"/>
+          </p:cNvSpPr>
+          <p:nvPr>
+            <p:ph type="title"/>
+          </p:nvPr>
+        </p:nvSpPr>
+        <p:spPr>
+          <a:xfrm>
+            <a:off x="-12782" y="1340768"/>
+            <a:ext cx="1518008" cy="1027277"/>
+          </a:xfrm>
+        </p:spPr>
+        <p:txBody>
+          <a:bodyPr>
+            <a:normAutofit/>
+          </a:bodyPr>
+          <a:lstStyle/>
+          <a:p>
+            <a:r>
+              <a:rPr lang="en-US" dirty="0"/>
+              <a:t>1984</a:t>
+            </a:r>
+          </a:p>
+        </p:txBody>
+      </p:sp>
+      <p:sp>
+        <p:nvSpPr>
+          <p:cNvPr id="68" name="Title 1"/>
+          <p:cNvSpPr txBox="1">
+            <a:spLocks/>
+          </p:cNvSpPr>
+          <p:nvPr/>
+        </p:nvSpPr>
+        <p:spPr>
+          <a:xfrm>
+            <a:off x="2123728" y="97202"/>
+            <a:ext cx="1518008" cy="811518"/>
+          </a:xfrm>
+          <a:prstGeom prst="rect">
+            <a:avLst/>
+          </a:prstGeom>
+        </p:spPr>
+        <p:txBody>
+          <a:bodyPr vert="horz" lIns="91440" tIns="45720" rIns="91440" bIns="45720" rtlCol="0" anchor="ctr">
+            <a:normAutofit/>
+          </a:bodyPr>
+          <a:lstStyle>
+            <a:lvl1pPr algn="ctr" defTabSz="914400" rtl="0" eaLnBrk="1" latinLnBrk="0" hangingPunct="1">
+              <a:spcBef>
+                <a:spcPct val="0"/>
+              </a:spcBef>
+              <a:buNone/>
+              <a:defRPr sz="4400" b="1" kern="1200">
+                <a:solidFill>
+                  <a:srgbClr val="800000"/>
+                </a:solidFill>
+                <a:latin typeface="+mj-lt"/>
+                <a:ea typeface="+mj-ea"/>
+                <a:cs typeface="+mj-cs"/>
+              </a:defRPr>
+            </a:lvl1pPr>
+          </a:lstStyle>
+          <a:p>
+            <a:r>
+              <a:rPr lang="en-US" dirty="0"/>
+              <a:t>1992</a:t>
+            </a:r>
+          </a:p>
+        </p:txBody>
+      </p:sp>
+      <p:sp>
+        <p:nvSpPr>
+          <p:cNvPr id="69" name="Title 1"/>
+          <p:cNvSpPr txBox="1">
+            <a:spLocks/>
+          </p:cNvSpPr>
+          <p:nvPr/>
+        </p:nvSpPr>
+        <p:spPr>
+          <a:xfrm>
+            <a:off x="140588" y="3588979"/>
+            <a:ext cx="1518008" cy="811518"/>
+          </a:xfrm>
+          <a:prstGeom prst="rect">
+            <a:avLst/>
+          </a:prstGeom>
+        </p:spPr>
+        <p:txBody>
+          <a:bodyPr vert="horz" lIns="91440" tIns="45720" rIns="91440" bIns="45720" rtlCol="0" anchor="ctr">
+            <a:normAutofit/>
+          </a:bodyPr>
+          <a:lstStyle>
+            <a:lvl1pPr algn="ctr" defTabSz="914400" rtl="0" eaLnBrk="1" latinLnBrk="0" hangingPunct="1">
+              <a:spcBef>
+                <a:spcPct val="0"/>
+              </a:spcBef>
+              <a:buNone/>
+              <a:defRPr sz="4400" b="1" kern="1200">
+                <a:solidFill>
+                  <a:srgbClr val="800000"/>
+                </a:solidFill>
+                <a:latin typeface="+mj-lt"/>
+                <a:ea typeface="+mj-ea"/>
+                <a:cs typeface="+mj-cs"/>
+              </a:defRPr>
+            </a:lvl1pPr>
+          </a:lstStyle>
+          <a:p>
+            <a:r>
+              <a:rPr lang="en-US" dirty="0"/>
+              <a:t>2000</a:t>
+            </a:r>
+          </a:p>
+        </p:txBody>
+      </p:sp>
+      <p:sp>
+        <p:nvSpPr>
+          <p:cNvPr id="70" name="Title 1"/>
+          <p:cNvSpPr txBox="1">
+            <a:spLocks/>
+          </p:cNvSpPr>
+          <p:nvPr/>
+        </p:nvSpPr>
+        <p:spPr>
+          <a:xfrm>
+            <a:off x="6366360" y="3384226"/>
+            <a:ext cx="1518008" cy="811518"/>
+          </a:xfrm>
+          <a:prstGeom prst="rect">
+            <a:avLst/>
+          </a:prstGeom>
+        </p:spPr>
+        <p:txBody>
+          <a:bodyPr vert="horz" lIns="91440" tIns="45720" rIns="91440" bIns="45720" rtlCol="0" anchor="ctr">
+            <a:normAutofit/>
+          </a:bodyPr>
+          <a:lstStyle>
+            <a:lvl1pPr algn="ctr" defTabSz="914400" rtl="0" eaLnBrk="1" latinLnBrk="0" hangingPunct="1">
+              <a:spcBef>
+                <a:spcPct val="0"/>
+              </a:spcBef>
+              <a:buNone/>
+              <a:defRPr sz="4400" b="1" kern="1200">
+                <a:solidFill>
+                  <a:srgbClr val="800000"/>
+                </a:solidFill>
+                <a:latin typeface="+mj-lt"/>
+                <a:ea typeface="+mj-ea"/>
+                <a:cs typeface="+mj-cs"/>
+              </a:defRPr>
+            </a:lvl1pPr>
+          </a:lstStyle>
+          <a:p>
+            <a:r>
+              <a:rPr lang="en-US" dirty="0"/>
+              <a:t>2009</a:t>
+            </a:r>
+          </a:p>
+        </p:txBody>
+      </p:sp>
+      <p:pic>
+        <p:nvPicPr>
+          <p:cNvPr id="1054" name="Picture 30"/>
+          <p:cNvPicPr>
+            <a:picLocks noChangeAspect="1" noChangeArrowheads="1"/>
+          </p:cNvPicPr>
+          <p:nvPr/>
+        </p:nvPicPr>
+        <p:blipFill>
+          <a:blip r:embed="rId12" cstate="print">
+            <a:extLst>
+              <a:ext uri="{28A0092B-C50C-407E-A947-70E740481C1C}">
+                <a14:useLocalDpi xmlns:a14="http://schemas.microsoft.com/office/drawing/2010/main" val="0"/>
+              </a:ext>
+            </a:extLst>
+          </a:blip>
+          <a:srcRect/>
+          <a:stretch>
+            <a:fillRect/>
+          </a:stretch>
+        </p:blipFill>
+        <p:spPr bwMode="auto">
+          <a:xfrm>
+            <a:off x="6732240" y="836712"/>
+            <a:ext cx="2304256" cy="1666562"/>
+          </a:xfrm>
+          <a:prstGeom prst="rect">
+            <a:avLst/>
+          </a:prstGeom>
+          <a:noFill/>
+          <a:ln>
+            <a:noFill/>
+          </a:ln>
+          <a:effectLst/>
+          <a:extLst>
+            <a:ext uri="{909E8E84-426E-40DD-AFC4-6F175D3DCCD1}">
+              <a14:hiddenFill xmlns:a14="http://schemas.microsoft.com/office/drawing/2010/main">
+                <a:solidFill>
+                  <a:schemeClr val="accent1"/>
+                </a:solidFill>
+              </a14:hiddenFill>
+            </a:ext>
+            <a:ext uri="{91240B29-F687-4F45-9708-019B960494DF}">
+              <a14:hiddenLine xmlns:a14="http://schemas.microsoft.com/office/drawing/2010/main" w="9525">
+                <a:solidFill>
+                  <a:schemeClr val="tx1"/>
+                </a:solidFill>
+                <a:miter lim="800000"/>
+                <a:headEnd/>
+                <a:tailEnd/>
+              </a14:hiddenLine>
+            </a:ext>
+            <a:ext uri="{AF507438-7753-43E0-B8FC-AC1667EBCBE1}">
+              <a14:hiddenEffects xmlns:a14="http://schemas.microsoft.com/office/drawing/2010/main">
+                <a:effectLst>
+                  <a:outerShdw dist="35921" dir="2700000" algn="ctr" rotWithShape="0">
+                    <a:schemeClr val="bg2"/>
+                  </a:outerShdw>
+                </a:effectLst>
+              </a14:hiddenEffects>
+            </a:ext>
+          </a:extLst>
+        </p:spPr>
+      </p:pic>
+    </p:spTree>
+    <p:extLst>
+      <p:ext uri="{BB962C8B-B14F-4D97-AF65-F5344CB8AC3E}">
+        <p14:creationId xmlns:p14="http://schemas.microsoft.com/office/powerpoint/2010/main" val="3056532368"/>
+      </p:ext>
+    </p:extLst>
+  </p:cSld>
+  <p:clrMapOvr>
+    <a:masterClrMapping/>
+  </p:clrMapOvr>
+</p:sld>
+</file>
+
+<file path=ppt/slides/slide20.xml><?xml version="1.0" encoding="utf-8"?>
 <p:sld xmlns:a="http://schemas.openxmlformats.org/drawingml/2006/main" xmlns:r="http://schemas.openxmlformats.org/officeDocument/2006/relationships" xmlns:p="http://schemas.openxmlformats.org/presentationml/2006/main">
   <p:cSld>
     <p:spTree>
@@ -17471,7 +16403,7 @@
               <a:pPr>
                 <a:defRPr/>
               </a:pPr>
-              <a:t>23</a:t>
+              <a:t>20</a:t>
             </a:fld>
             <a:r>
               <a:rPr lang="en-US"/>
@@ -17500,7 +16432,7 @@
             </a:pPr>
             <a:r>
               <a:rPr lang="en-US" dirty="0"/>
-              <a:t>Laboratory for Percutaneous Surgery (The Perk Lab) – Copyright © Queen’s University, 2021</a:t>
+              <a:t>Laboratory for Percutaneous Surgery (The Perk Lab) – Copyright © Queen’s University, 2022</a:t>
             </a:r>
           </a:p>
         </p:txBody>
@@ -18474,7 +17406,7 @@
 </p:sld>
 </file>
 
-<file path=ppt/slides/slide24.xml><?xml version="1.0" encoding="utf-8"?>
+<file path=ppt/slides/slide21.xml><?xml version="1.0" encoding="utf-8"?>
 <p:sld xmlns:a="http://schemas.openxmlformats.org/drawingml/2006/main" xmlns:r="http://schemas.openxmlformats.org/officeDocument/2006/relationships" xmlns:p="http://schemas.openxmlformats.org/presentationml/2006/main">
   <p:cSld>
     <p:spTree>
@@ -18548,7 +17480,7 @@
               <a:pPr>
                 <a:defRPr/>
               </a:pPr>
-              <a:t>24</a:t>
+              <a:t>21</a:t>
             </a:fld>
             <a:r>
               <a:rPr lang="en-US"/>
@@ -18577,7 +17509,7 @@
             </a:pPr>
             <a:r>
               <a:rPr lang="en-US" dirty="0"/>
-              <a:t>Laboratory for Percutaneous Surgery (The Perk Lab) – Copyright © Queen’s University, 2021</a:t>
+              <a:t>Laboratory for Percutaneous Surgery (The Perk Lab) – Copyright © Queen’s University, 2022</a:t>
             </a:r>
           </a:p>
         </p:txBody>
@@ -18988,7 +17920,7 @@
 </p:sld>
 </file>
 
-<file path=ppt/slides/slide25.xml><?xml version="1.0" encoding="utf-8"?>
+<file path=ppt/slides/slide22.xml><?xml version="1.0" encoding="utf-8"?>
 <p:sld xmlns:a="http://schemas.openxmlformats.org/drawingml/2006/main" xmlns:r="http://schemas.openxmlformats.org/officeDocument/2006/relationships" xmlns:p="http://schemas.openxmlformats.org/presentationml/2006/main">
   <p:cSld>
     <p:spTree>
@@ -19062,7 +17994,7 @@
               <a:pPr>
                 <a:defRPr/>
               </a:pPr>
-              <a:t>25</a:t>
+              <a:t>22</a:t>
             </a:fld>
             <a:r>
               <a:rPr lang="en-US"/>
@@ -19091,7 +18023,7 @@
             </a:pPr>
             <a:r>
               <a:rPr lang="en-US" dirty="0"/>
-              <a:t>Laboratory for Percutaneous Surgery (The Perk Lab) – Copyright © Queen’s University, 2021</a:t>
+              <a:t>Laboratory for Percutaneous Surgery (The Perk Lab) – Copyright © Queen’s University, 2022</a:t>
             </a:r>
           </a:p>
         </p:txBody>
@@ -19417,7 +18349,7 @@
 </p:sld>
 </file>
 
-<file path=ppt/slides/slide26.xml><?xml version="1.0" encoding="utf-8"?>
+<file path=ppt/slides/slide23.xml><?xml version="1.0" encoding="utf-8"?>
 <p:sld xmlns:a="http://schemas.openxmlformats.org/drawingml/2006/main" xmlns:r="http://schemas.openxmlformats.org/officeDocument/2006/relationships" xmlns:p="http://schemas.openxmlformats.org/presentationml/2006/main">
   <p:cSld>
     <p:spTree>
@@ -19491,7 +18423,7 @@
               <a:pPr>
                 <a:defRPr/>
               </a:pPr>
-              <a:t>26</a:t>
+              <a:t>23</a:t>
             </a:fld>
             <a:r>
               <a:rPr lang="en-US"/>
@@ -19520,7 +18452,7 @@
             </a:pPr>
             <a:r>
               <a:rPr lang="en-US" dirty="0"/>
-              <a:t>Laboratory for Percutaneous Surgery (The Perk Lab) – Copyright © Queen’s University, 2021</a:t>
+              <a:t>Laboratory for Percutaneous Surgery (The Perk Lab) – Copyright © Queen’s University, 2022</a:t>
             </a:r>
           </a:p>
         </p:txBody>
@@ -19827,7 +18759,7 @@
 </p:sld>
 </file>
 
-<file path=ppt/slides/slide27.xml><?xml version="1.0" encoding="utf-8"?>
+<file path=ppt/slides/slide24.xml><?xml version="1.0" encoding="utf-8"?>
 <p:sld xmlns:a="http://schemas.openxmlformats.org/drawingml/2006/main" xmlns:r="http://schemas.openxmlformats.org/officeDocument/2006/relationships" xmlns:p="http://schemas.openxmlformats.org/presentationml/2006/main">
   <p:cSld>
     <p:spTree>
@@ -19901,7 +18833,7 @@
               <a:pPr>
                 <a:defRPr/>
               </a:pPr>
-              <a:t>27</a:t>
+              <a:t>24</a:t>
             </a:fld>
             <a:r>
               <a:rPr lang="en-US"/>
@@ -19930,7 +18862,7 @@
             </a:pPr>
             <a:r>
               <a:rPr lang="en-US" dirty="0"/>
-              <a:t>Laboratory for Percutaneous Surgery (The Perk Lab) – Copyright © Queen’s University, 2021</a:t>
+              <a:t>Laboratory for Percutaneous Surgery (The Perk Lab) – Copyright © Queen’s University, 2022</a:t>
             </a:r>
           </a:p>
         </p:txBody>
@@ -21252,7 +20184,7 @@
 </p:sld>
 </file>
 
-<file path=ppt/slides/slide28.xml><?xml version="1.0" encoding="utf-8"?>
+<file path=ppt/slides/slide25.xml><?xml version="1.0" encoding="utf-8"?>
 <p:sld xmlns:a="http://schemas.openxmlformats.org/drawingml/2006/main" xmlns:r="http://schemas.openxmlformats.org/officeDocument/2006/relationships" xmlns:p="http://schemas.openxmlformats.org/presentationml/2006/main">
   <p:cSld>
     <p:spTree>
@@ -21326,7 +20258,7 @@
               <a:pPr>
                 <a:defRPr/>
               </a:pPr>
-              <a:t>28</a:t>
+              <a:t>25</a:t>
             </a:fld>
             <a:r>
               <a:rPr lang="en-US"/>
@@ -21355,7 +20287,7 @@
             </a:pPr>
             <a:r>
               <a:rPr lang="en-US" dirty="0"/>
-              <a:t>Laboratory for Percutaneous Surgery (The Perk Lab) – Copyright © Queen’s University, 2021</a:t>
+              <a:t>Laboratory for Percutaneous Surgery (The Perk Lab) – Copyright © Queen’s University, 2022</a:t>
             </a:r>
           </a:p>
         </p:txBody>
@@ -21636,7 +20568,7 @@
             </a:pPr>
             <a:r>
               <a:rPr lang="en-US" dirty="0"/>
-              <a:t>Laboratory for Percutaneous Surgery (The Perk Lab) – Copyright © Queen’s University, 2021</a:t>
+              <a:t>Laboratory for Percutaneous Surgery (The Perk Lab) – Copyright © Queen’s University, 2022</a:t>
             </a:r>
           </a:p>
         </p:txBody>
@@ -22185,7 +21117,7 @@
             </a:pPr>
             <a:r>
               <a:rPr lang="en-US" dirty="0"/>
-              <a:t>Laboratory for Percutaneous Surgery (The Perk Lab) – Copyright © Queen’s University, 2021</a:t>
+              <a:t>Laboratory for Percutaneous Surgery (The Perk Lab) – Copyright © Queen’s University, 2022</a:t>
             </a:r>
           </a:p>
         </p:txBody>
@@ -22951,7 +21883,7 @@
             </a:pPr>
             <a:r>
               <a:rPr lang="en-US" dirty="0"/>
-              <a:t>Laboratory for Percutaneous Surgery (The Perk Lab) – Copyright © Queen’s University, 2021</a:t>
+              <a:t>Laboratory for Percutaneous Surgery (The Perk Lab) – Copyright © Queen’s University, 2022</a:t>
             </a:r>
           </a:p>
         </p:txBody>
@@ -23510,7 +22442,7 @@
             </a:pPr>
             <a:r>
               <a:rPr lang="en-US" dirty="0"/>
-              <a:t>Laboratory for Percutaneous Surgery (The Perk Lab) – Copyright © Queen’s University, 2021</a:t>
+              <a:t>Laboratory for Percutaneous Surgery (The Perk Lab) – Copyright © Queen’s University, 2022</a:t>
             </a:r>
           </a:p>
         </p:txBody>
@@ -24491,7 +23423,7 @@
             </a:pPr>
             <a:r>
               <a:rPr lang="en-US" dirty="0"/>
-              <a:t>Laboratory for Percutaneous Surgery (The Perk Lab) – Copyright © Queen’s University, 2021</a:t>
+              <a:t>Laboratory for Percutaneous Surgery (The Perk Lab) – Copyright © Queen’s University, 2022</a:t>
             </a:r>
           </a:p>
         </p:txBody>
@@ -24781,7 +23713,7 @@
         </p:nvSpPr>
         <p:spPr>
           <a:xfrm>
-            <a:off x="7592332" y="1343193"/>
+            <a:off x="7759160" y="1343193"/>
             <a:ext cx="1205328" cy="1044116"/>
           </a:xfrm>
           <a:prstGeom prst="hexagon">
@@ -24882,7 +23814,7 @@
         </p:nvSpPr>
         <p:spPr>
           <a:xfrm>
-            <a:off x="6444208" y="1036091"/>
+            <a:off x="6592228" y="1036091"/>
             <a:ext cx="1205328" cy="1044116"/>
           </a:xfrm>
           <a:prstGeom prst="hexagon">
@@ -25661,10 +24593,10 @@
         </p:nvGrpSpPr>
         <p:grpSpPr>
           <a:xfrm>
-            <a:off x="3925072" y="2060848"/>
-            <a:ext cx="3887288" cy="327136"/>
-            <a:chOff x="3925072" y="2060848"/>
-            <a:chExt cx="3887288" cy="327136"/>
+            <a:off x="3923928" y="2060848"/>
+            <a:ext cx="4032448" cy="327136"/>
+            <a:chOff x="3779912" y="2060848"/>
+            <a:chExt cx="4032448" cy="327136"/>
           </a:xfrm>
         </p:grpSpPr>
         <p:sp>
@@ -25681,7 +24613,7 @@
           </p:nvSpPr>
           <p:spPr>
             <a:xfrm>
-              <a:off x="3925072" y="2080207"/>
+              <a:off x="3779912" y="2080207"/>
               <a:ext cx="1508042" cy="307777"/>
             </a:xfrm>
             <a:prstGeom prst="rect">
@@ -25833,413 +24765,6 @@
 </file>
 
 <file path=ppt/slides/slide8.xml><?xml version="1.0" encoding="utf-8"?>
-<p:sld xmlns:a="http://schemas.openxmlformats.org/drawingml/2006/main" xmlns:r="http://schemas.openxmlformats.org/officeDocument/2006/relationships" xmlns:p="http://schemas.openxmlformats.org/presentationml/2006/main" showMasterSp="0">
-  <p:cSld>
-    <p:bg>
-      <p:bgPr>
-        <a:solidFill>
-          <a:srgbClr val="FFFFFF"/>
-        </a:solidFill>
-        <a:effectLst/>
-      </p:bgPr>
-    </p:bg>
-    <p:spTree>
-      <p:nvGrpSpPr>
-        <p:cNvPr id="1" name=""/>
-        <p:cNvGrpSpPr/>
-        <p:nvPr/>
-      </p:nvGrpSpPr>
-      <p:grpSpPr>
-        <a:xfrm>
-          <a:off x="0" y="0"/>
-          <a:ext cx="0" cy="0"/>
-          <a:chOff x="0" y="0"/>
-          <a:chExt cx="0" cy="0"/>
-        </a:xfrm>
-      </p:grpSpPr>
-      <p:sp>
-        <p:nvSpPr>
-          <p:cNvPr id="2" name="Date Placeholder 1">
-            <a:extLst>
-              <a:ext uri="{FF2B5EF4-FFF2-40B4-BE49-F238E27FC236}">
-                <a16:creationId xmlns:a16="http://schemas.microsoft.com/office/drawing/2014/main" id="{BE39B6A3-E727-4D6B-A00F-1327AB382EED}"/>
-              </a:ext>
-            </a:extLst>
-          </p:cNvPr>
-          <p:cNvSpPr>
-            <a:spLocks noGrp="1"/>
-          </p:cNvSpPr>
-          <p:nvPr>
-            <p:ph type="dt" sz="half" idx="10"/>
-          </p:nvPr>
-        </p:nvSpPr>
-        <p:spPr/>
-        <p:txBody>
-          <a:bodyPr/>
-          <a:lstStyle/>
-          <a:p>
-            <a:fld id="{7EC20259-AFA4-42BB-B1F2-1723D3175E09}" type="datetime1">
-              <a:rPr lang="en-CA" smtClean="0"/>
-              <a:pPr/>
-              <a:t>2021-05-05</a:t>
-            </a:fld>
-            <a:endParaRPr lang="en-CA"/>
-          </a:p>
-        </p:txBody>
-      </p:sp>
-      <p:sp>
-        <p:nvSpPr>
-          <p:cNvPr id="3" name="Footer Placeholder 2">
-            <a:extLst>
-              <a:ext uri="{FF2B5EF4-FFF2-40B4-BE49-F238E27FC236}">
-                <a16:creationId xmlns:a16="http://schemas.microsoft.com/office/drawing/2014/main" id="{6E6BE054-44D7-43E8-858E-37EA6211EED5}"/>
-              </a:ext>
-            </a:extLst>
-          </p:cNvPr>
-          <p:cNvSpPr>
-            <a:spLocks noGrp="1"/>
-          </p:cNvSpPr>
-          <p:nvPr>
-            <p:ph type="ftr" sz="quarter" idx="11"/>
-          </p:nvPr>
-        </p:nvSpPr>
-        <p:spPr/>
-        <p:txBody>
-          <a:bodyPr/>
-          <a:lstStyle/>
-          <a:p>
-            <a:r>
-              <a:rPr lang="en-US"/>
-              <a:t>Laboratory for Percutaneous Surgery (The Perk Lab) – Copyright © Queen’s University, 2021</a:t>
-            </a:r>
-            <a:endParaRPr lang="en-US" dirty="0"/>
-          </a:p>
-        </p:txBody>
-      </p:sp>
-      <p:sp>
-        <p:nvSpPr>
-          <p:cNvPr id="4" name="Slide Number Placeholder 3">
-            <a:extLst>
-              <a:ext uri="{FF2B5EF4-FFF2-40B4-BE49-F238E27FC236}">
-                <a16:creationId xmlns:a16="http://schemas.microsoft.com/office/drawing/2014/main" id="{7827AA89-B15A-4397-9606-309EA48878A4}"/>
-              </a:ext>
-            </a:extLst>
-          </p:cNvPr>
-          <p:cNvSpPr>
-            <a:spLocks noGrp="1"/>
-          </p:cNvSpPr>
-          <p:nvPr>
-            <p:ph type="sldNum" sz="quarter" idx="12"/>
-          </p:nvPr>
-        </p:nvSpPr>
-        <p:spPr/>
-        <p:txBody>
-          <a:bodyPr/>
-          <a:lstStyle/>
-          <a:p>
-            <a:fld id="{090008EC-8F43-4B00-B358-048442A1BFBF}" type="slidenum">
-              <a:rPr lang="en-CA" smtClean="0"/>
-              <a:pPr/>
-              <a:t>8</a:t>
-            </a:fld>
-            <a:endParaRPr lang="en-CA" dirty="0"/>
-          </a:p>
-        </p:txBody>
-      </p:sp>
-      <p:pic>
-        <p:nvPicPr>
-          <p:cNvPr id="6" name="Picture 5">
-            <a:extLst>
-              <a:ext uri="{FF2B5EF4-FFF2-40B4-BE49-F238E27FC236}">
-                <a16:creationId xmlns:a16="http://schemas.microsoft.com/office/drawing/2014/main" id="{56570238-52EA-4334-BC88-654C78D23AB5}"/>
-              </a:ext>
-            </a:extLst>
-          </p:cNvPr>
-          <p:cNvPicPr>
-            <a:picLocks/>
-          </p:cNvPicPr>
-          <p:nvPr>
-            <p:custDataLst>
-              <p:tags r:id="rId2"/>
-            </p:custDataLst>
-          </p:nvPr>
-        </p:nvPicPr>
-        <p:blipFill>
-          <a:blip r:embed="rId6" cstate="print">
-            <a:extLst>
-              <a:ext uri="{28A0092B-C50C-407E-A947-70E740481C1C}">
-                <a14:useLocalDpi xmlns:a14="http://schemas.microsoft.com/office/drawing/2010/main" val="0"/>
-              </a:ext>
-            </a:extLst>
-          </a:blip>
-          <a:stretch>
-            <a:fillRect/>
-          </a:stretch>
-        </p:blipFill>
-        <p:spPr>
-          <a:xfrm>
-            <a:off x="4114800" y="665953"/>
-            <a:ext cx="914400" cy="382594"/>
-          </a:xfrm>
-          <a:prstGeom prst="rect">
-            <a:avLst/>
-          </a:prstGeom>
-        </p:spPr>
-      </p:pic>
-      <p:sp>
-        <p:nvSpPr>
-          <p:cNvPr id="7" name="Rectangle 6">
-            <a:extLst>
-              <a:ext uri="{FF2B5EF4-FFF2-40B4-BE49-F238E27FC236}">
-                <a16:creationId xmlns:a16="http://schemas.microsoft.com/office/drawing/2014/main" id="{C70B0380-57A0-4E33-8B66-9F7C197923D1}"/>
-              </a:ext>
-            </a:extLst>
-          </p:cNvPr>
-          <p:cNvSpPr/>
-          <p:nvPr>
-            <p:custDataLst>
-              <p:tags r:id="rId3"/>
-            </p:custDataLst>
-          </p:nvPr>
-        </p:nvSpPr>
-        <p:spPr>
-          <a:xfrm>
-            <a:off x="0" y="1714500"/>
-            <a:ext cx="9144000" cy="3429000"/>
-          </a:xfrm>
-          <a:prstGeom prst="rect">
-            <a:avLst/>
-          </a:prstGeom>
-          <a:solidFill>
-            <a:srgbClr val="FFFFFF"/>
-          </a:solidFill>
-          <a:ln>
-            <a:solidFill>
-              <a:srgbClr val="FFFFFF"/>
-            </a:solidFill>
-          </a:ln>
-        </p:spPr>
-        <p:style>
-          <a:lnRef idx="2">
-            <a:schemeClr val="accent1">
-              <a:shade val="50000"/>
-            </a:schemeClr>
-          </a:lnRef>
-          <a:fillRef idx="1">
-            <a:schemeClr val="accent1"/>
-          </a:fillRef>
-          <a:effectRef idx="0">
-            <a:schemeClr val="accent1"/>
-          </a:effectRef>
-          <a:fontRef idx="minor">
-            <a:schemeClr val="lt1"/>
-          </a:fontRef>
-        </p:style>
-        <p:txBody>
-          <a:bodyPr rtlCol="0" anchor="ctr"/>
-          <a:lstStyle/>
-          <a:p>
-            <a:pPr algn="ctr"/>
-            <a:r>
-              <a:rPr lang="en-US" sz="3600">
-                <a:solidFill>
-                  <a:srgbClr val="424242"/>
-                </a:solidFill>
-              </a:rPr>
-              <a:t>What makes a good software source code?</a:t>
-            </a:r>
-            <a:endParaRPr lang="en-CA" sz="3600">
-              <a:solidFill>
-                <a:srgbClr val="424242"/>
-              </a:solidFill>
-            </a:endParaRPr>
-          </a:p>
-        </p:txBody>
-      </p:sp>
-      <p:sp>
-        <p:nvSpPr>
-          <p:cNvPr id="8" name="Rectangle 7">
-            <a:extLst>
-              <a:ext uri="{FF2B5EF4-FFF2-40B4-BE49-F238E27FC236}">
-                <a16:creationId xmlns:a16="http://schemas.microsoft.com/office/drawing/2014/main" id="{C2AFD284-8BFA-4F94-A92B-A08B893707F2}"/>
-              </a:ext>
-            </a:extLst>
-          </p:cNvPr>
-          <p:cNvSpPr/>
-          <p:nvPr>
-            <p:custDataLst>
-              <p:tags r:id="rId4"/>
-            </p:custDataLst>
-          </p:nvPr>
-        </p:nvSpPr>
-        <p:spPr>
-          <a:xfrm>
-            <a:off x="0" y="5143500"/>
-            <a:ext cx="9144000" cy="1714500"/>
-          </a:xfrm>
-          <a:prstGeom prst="rect">
-            <a:avLst/>
-          </a:prstGeom>
-          <a:solidFill>
-            <a:srgbClr val="FFFFFF"/>
-          </a:solidFill>
-          <a:ln w="25400" cap="flat" cmpd="sng" algn="ctr">
-            <a:noFill/>
-            <a:prstDash val="solid"/>
-          </a:ln>
-          <a:effectLst/>
-          <a:extLst>
-            <a:ext uri="{91240B29-F687-4F45-9708-019B960494DF}">
-              <a14:hiddenLine xmlns:a14="http://schemas.microsoft.com/office/drawing/2010/main" w="25400" cap="flat" cmpd="sng" algn="ctr">
-                <a:solidFill>
-                  <a:schemeClr val="accent1">
-                    <a:shade val="50000"/>
-                  </a:schemeClr>
-                </a:solidFill>
-                <a:prstDash val="solid"/>
-              </a14:hiddenLine>
-            </a:ext>
-          </a:extLst>
-        </p:spPr>
-        <p:style>
-          <a:lnRef idx="2">
-            <a:schemeClr val="accent1">
-              <a:shade val="50000"/>
-            </a:schemeClr>
-          </a:lnRef>
-          <a:fillRef idx="1">
-            <a:schemeClr val="accent1"/>
-          </a:fillRef>
-          <a:effectRef idx="0">
-            <a:schemeClr val="accent1"/>
-          </a:effectRef>
-          <a:fontRef idx="minor">
-            <a:schemeClr val="lt1"/>
-          </a:fontRef>
-        </p:style>
-        <p:txBody>
-          <a:bodyPr rtlCol="0" anchor="ctr"/>
-          <a:lstStyle/>
-          <a:p>
-            <a:pPr algn="ctr"/>
-            <a:r>
-              <a:rPr lang="en-US" sz="1300" b="1">
-                <a:solidFill>
-                  <a:srgbClr val="39AC37"/>
-                </a:solidFill>
-              </a:rPr>
-              <a:t>ⓘ</a:t>
-            </a:r>
-            <a:r>
-              <a:rPr lang="en-US" sz="1400">
-                <a:solidFill>
-                  <a:srgbClr val="424242"/>
-                </a:solidFill>
-              </a:rPr>
-              <a:t> Start presenting to display the poll results on this slide.</a:t>
-            </a:r>
-            <a:endParaRPr lang="en-CA" sz="1400">
-              <a:solidFill>
-                <a:srgbClr val="424242"/>
-              </a:solidFill>
-            </a:endParaRPr>
-          </a:p>
-        </p:txBody>
-      </p:sp>
-    </p:spTree>
-    <p:custDataLst>
-      <p:tags r:id="rId1"/>
-    </p:custDataLst>
-    <p:extLst>
-      <p:ext uri="{BB962C8B-B14F-4D97-AF65-F5344CB8AC3E}">
-        <p14:creationId xmlns:p14="http://schemas.microsoft.com/office/powerpoint/2010/main" val="1950411516"/>
-      </p:ext>
-    </p:extLst>
-  </p:cSld>
-  <p:clrMapOvr>
-    <a:masterClrMapping/>
-  </p:clrMapOvr>
-  <p:timing>
-    <p:tnLst>
-      <p:par>
-        <p:cTn id="1" dur="indefinite" restart="never" nodeType="tmRoot">
-          <p:childTnLst>
-            <p:seq concurrent="1" nextAc="seek">
-              <p:cTn id="2" dur="indefinite" nodeType="mainSeq">
-                <p:childTnLst>
-                  <p:par>
-                    <p:cTn id="3" fill="hold">
-                      <p:stCondLst>
-                        <p:cond delay="indefinite"/>
-                      </p:stCondLst>
-                      <p:childTnLst>
-                        <p:par>
-                          <p:cTn id="4" fill="hold">
-                            <p:stCondLst>
-                              <p:cond delay="0"/>
-                            </p:stCondLst>
-                            <p:childTnLst>
-                              <p:par>
-                                <p:cTn id="5" presetID="26" presetClass="emph" presetSubtype="0" fill="hold" grpId="0" nodeType="clickEffect">
-                                  <p:stCondLst>
-                                    <p:cond delay="0"/>
-                                  </p:stCondLst>
-                                  <p:childTnLst>
-                                    <p:animEffect transition="out" filter="fade">
-                                      <p:cBhvr>
-                                        <p:cTn id="6" dur="50" tmFilter="0, 0; .2, .5; .8, .5; 1, 0"/>
-                                        <p:tgtEl>
-                                          <p:spTgt spid="7"/>
-                                        </p:tgtEl>
-                                      </p:cBhvr>
-                                    </p:animEffect>
-                                    <p:animScale>
-                                      <p:cBhvr>
-                                        <p:cTn id="7" dur="25" autoRev="1" fill="hold"/>
-                                        <p:tgtEl>
-                                          <p:spTgt spid="7"/>
-                                        </p:tgtEl>
-                                      </p:cBhvr>
-                                      <p:by x="105000" y="105000"/>
-                                    </p:animScale>
-                                  </p:childTnLst>
-                                </p:cTn>
-                              </p:par>
-                            </p:childTnLst>
-                          </p:cTn>
-                        </p:par>
-                      </p:childTnLst>
-                    </p:cTn>
-                  </p:par>
-                </p:childTnLst>
-              </p:cTn>
-              <p:prevCondLst>
-                <p:cond evt="onPrev" delay="0">
-                  <p:tgtEl>
-                    <p:sldTgt/>
-                  </p:tgtEl>
-                </p:cond>
-              </p:prevCondLst>
-              <p:nextCondLst>
-                <p:cond evt="onNext" delay="0">
-                  <p:tgtEl>
-                    <p:sldTgt/>
-                  </p:tgtEl>
-                </p:cond>
-              </p:nextCondLst>
-            </p:seq>
-          </p:childTnLst>
-        </p:cTn>
-      </p:par>
-    </p:tnLst>
-    <p:bldLst>
-      <p:bldP spid="7" grpId="0" animBg="1"/>
-    </p:bldLst>
-  </p:timing>
-</p:sld>
-</file>
-
-<file path=ppt/slides/slide9.xml><?xml version="1.0" encoding="utf-8"?>
 <p:sld xmlns:a="http://schemas.openxmlformats.org/drawingml/2006/main" xmlns:r="http://schemas.openxmlformats.org/officeDocument/2006/relationships" xmlns:p="http://schemas.openxmlformats.org/presentationml/2006/main">
   <p:cSld>
     <p:spTree>
@@ -26313,7 +24838,7 @@
               <a:pPr>
                 <a:defRPr/>
               </a:pPr>
-              <a:t>9</a:t>
+              <a:t>8</a:t>
             </a:fld>
             <a:r>
               <a:rPr lang="en-US"/>
@@ -26342,7 +24867,7 @@
             </a:pPr>
             <a:r>
               <a:rPr lang="en-US" dirty="0"/>
-              <a:t>Laboratory for Percutaneous Surgery (The Perk Lab) – Copyright © Queen’s University, 2021</a:t>
+              <a:t>Laboratory for Percutaneous Surgery (The Perk Lab) – Copyright © Queen’s University, 2022</a:t>
             </a:r>
           </a:p>
         </p:txBody>
@@ -26592,93 +25117,418 @@
 </p:sld>
 </file>
 
+<file path=ppt/slides/slide9.xml><?xml version="1.0" encoding="utf-8"?>
+<p:sld xmlns:a="http://schemas.openxmlformats.org/drawingml/2006/main" xmlns:r="http://schemas.openxmlformats.org/officeDocument/2006/relationships" xmlns:p="http://schemas.openxmlformats.org/presentationml/2006/main">
+  <p:cSld>
+    <p:spTree>
+      <p:nvGrpSpPr>
+        <p:cNvPr id="1" name=""/>
+        <p:cNvGrpSpPr/>
+        <p:nvPr/>
+      </p:nvGrpSpPr>
+      <p:grpSpPr>
+        <a:xfrm>
+          <a:off x="0" y="0"/>
+          <a:ext cx="0" cy="0"/>
+          <a:chOff x="0" y="0"/>
+          <a:chExt cx="0" cy="0"/>
+        </a:xfrm>
+      </p:grpSpPr>
+      <p:sp>
+        <p:nvSpPr>
+          <p:cNvPr id="3" name="Title 2"/>
+          <p:cNvSpPr>
+            <a:spLocks noGrp="1"/>
+          </p:cNvSpPr>
+          <p:nvPr>
+            <p:ph type="title"/>
+          </p:nvPr>
+        </p:nvSpPr>
+        <p:spPr>
+          <a:xfrm>
+            <a:off x="678904" y="44624"/>
+            <a:ext cx="7906736" cy="868362"/>
+          </a:xfrm>
+        </p:spPr>
+        <p:txBody>
+          <a:bodyPr>
+            <a:normAutofit/>
+          </a:bodyPr>
+          <a:lstStyle/>
+          <a:p>
+            <a:pPr algn="l"/>
+            <a:r>
+              <a:rPr lang="en-CA" dirty="0"/>
+              <a:t>What do these code snippets do?</a:t>
+            </a:r>
+          </a:p>
+        </p:txBody>
+      </p:sp>
+      <p:sp>
+        <p:nvSpPr>
+          <p:cNvPr id="4" name="Slide Number Placeholder 3"/>
+          <p:cNvSpPr>
+            <a:spLocks noGrp="1"/>
+          </p:cNvSpPr>
+          <p:nvPr>
+            <p:ph type="sldNum" sz="quarter" idx="10"/>
+          </p:nvPr>
+        </p:nvSpPr>
+        <p:spPr/>
+        <p:txBody>
+          <a:bodyPr/>
+          <a:lstStyle/>
+          <a:p>
+            <a:pPr>
+              <a:defRPr/>
+            </a:pPr>
+            <a:r>
+              <a:rPr lang="en-US"/>
+              <a:t>- </a:t>
+            </a:r>
+            <a:fld id="{EC508102-87E5-4536-9108-F6A43470C743}" type="slidenum">
+              <a:rPr lang="en-US" smtClean="0"/>
+              <a:pPr>
+                <a:defRPr/>
+              </a:pPr>
+              <a:t>9</a:t>
+            </a:fld>
+            <a:r>
+              <a:rPr lang="en-US"/>
+              <a:t> -</a:t>
+            </a:r>
+          </a:p>
+        </p:txBody>
+      </p:sp>
+      <p:sp>
+        <p:nvSpPr>
+          <p:cNvPr id="5" name="Footer Placeholder 4"/>
+          <p:cNvSpPr>
+            <a:spLocks noGrp="1"/>
+          </p:cNvSpPr>
+          <p:nvPr>
+            <p:ph type="ftr" sz="quarter" idx="11"/>
+          </p:nvPr>
+        </p:nvSpPr>
+        <p:spPr/>
+        <p:txBody>
+          <a:bodyPr/>
+          <a:lstStyle/>
+          <a:p>
+            <a:pPr>
+              <a:defRPr/>
+            </a:pPr>
+            <a:r>
+              <a:rPr lang="en-US" dirty="0"/>
+              <a:t>Laboratory for Percutaneous Surgery (The Perk Lab) – Copyright © Queen’s University, 2022</a:t>
+            </a:r>
+          </a:p>
+        </p:txBody>
+      </p:sp>
+      <p:sp>
+        <p:nvSpPr>
+          <p:cNvPr id="7" name="Rectangle 6"/>
+          <p:cNvSpPr/>
+          <p:nvPr/>
+        </p:nvSpPr>
+        <p:spPr>
+          <a:xfrm>
+            <a:off x="395536" y="1772816"/>
+            <a:ext cx="5616624" cy="307777"/>
+          </a:xfrm>
+          <a:prstGeom prst="rect">
+            <a:avLst/>
+          </a:prstGeom>
+          <a:solidFill>
+            <a:schemeClr val="bg2"/>
+          </a:solidFill>
+        </p:spPr>
+        <p:txBody>
+          <a:bodyPr wrap="square">
+            <a:spAutoFit/>
+          </a:bodyPr>
+          <a:lstStyle/>
+          <a:p>
+            <a:pPr marL="177800" indent="-177800"/>
+            <a:r>
+              <a:rPr lang="en-CA" sz="1400" dirty="0"/>
+              <a:t>for( char *p = </a:t>
+            </a:r>
+            <a:r>
+              <a:rPr lang="en-CA" sz="1400" dirty="0" err="1"/>
+              <a:t>str</a:t>
+            </a:r>
+            <a:r>
+              <a:rPr lang="en-CA" sz="1400" dirty="0"/>
+              <a:t>, *q = </a:t>
+            </a:r>
+            <a:r>
+              <a:rPr lang="en-CA" sz="1400" dirty="0" err="1"/>
+              <a:t>strchr</a:t>
+            </a:r>
+            <a:r>
+              <a:rPr lang="en-CA" sz="1400" dirty="0"/>
+              <a:t>(</a:t>
+            </a:r>
+            <a:r>
+              <a:rPr lang="en-CA" sz="1400" dirty="0" err="1"/>
+              <a:t>str</a:t>
+            </a:r>
+            <a:r>
+              <a:rPr lang="en-CA" sz="1400" dirty="0"/>
+              <a:t>, 0) - 1, t; p &lt; q; t = *p, *p++ = *q, *q++ = t );</a:t>
+            </a:r>
+            <a:endParaRPr lang="en-CA" sz="1400" b="1" dirty="0"/>
+          </a:p>
+        </p:txBody>
+      </p:sp>
+      <p:pic>
+        <p:nvPicPr>
+          <p:cNvPr id="12" name="Picture 2" descr="http://ts1.mm.bing.net/images/thumbnail.aspx?q=1416689888324&amp;id=a11dcf17daede3b862c6dc1f9eb7930b&amp;url=http%3a%2f%2fwww.dailyblogtips.com%2fwp-content%2fuploads%2fcodinghorror.gif"/>
+          <p:cNvPicPr>
+            <a:picLocks noChangeAspect="1" noChangeArrowheads="1"/>
+          </p:cNvPicPr>
+          <p:nvPr/>
+        </p:nvPicPr>
+        <p:blipFill>
+          <a:blip r:embed="rId2">
+            <a:extLst>
+              <a:ext uri="{28A0092B-C50C-407E-A947-70E740481C1C}">
+                <a14:useLocalDpi xmlns:a14="http://schemas.microsoft.com/office/drawing/2010/main" val="0"/>
+              </a:ext>
+            </a:extLst>
+          </a:blip>
+          <a:srcRect/>
+          <a:stretch>
+            <a:fillRect/>
+          </a:stretch>
+        </p:blipFill>
+        <p:spPr bwMode="auto">
+          <a:xfrm>
+            <a:off x="6092910" y="1065488"/>
+            <a:ext cx="2511538" cy="1648197"/>
+          </a:xfrm>
+          <a:prstGeom prst="rect">
+            <a:avLst/>
+          </a:prstGeom>
+          <a:noFill/>
+          <a:extLst>
+            <a:ext uri="{909E8E84-426E-40DD-AFC4-6F175D3DCCD1}">
+              <a14:hiddenFill xmlns:a14="http://schemas.microsoft.com/office/drawing/2010/main">
+                <a:solidFill>
+                  <a:srgbClr val="FFFFFF"/>
+                </a:solidFill>
+              </a14:hiddenFill>
+            </a:ext>
+          </a:extLst>
+        </p:spPr>
+      </p:pic>
+      <p:sp>
+        <p:nvSpPr>
+          <p:cNvPr id="6" name="Rectangle 5"/>
+          <p:cNvSpPr/>
+          <p:nvPr/>
+        </p:nvSpPr>
+        <p:spPr>
+          <a:xfrm>
+            <a:off x="3347864" y="2102756"/>
+            <a:ext cx="2593787" cy="307777"/>
+          </a:xfrm>
+          <a:prstGeom prst="rect">
+            <a:avLst/>
+          </a:prstGeom>
+        </p:spPr>
+        <p:txBody>
+          <a:bodyPr wrap="none">
+            <a:spAutoFit/>
+          </a:bodyPr>
+          <a:lstStyle/>
+          <a:p>
+            <a:r>
+              <a:rPr lang="en-CA" sz="1400" i="1" dirty="0"/>
+              <a:t>Source: http://stackoverflow.com</a:t>
+            </a:r>
+          </a:p>
+        </p:txBody>
+      </p:sp>
+      <p:pic>
+        <p:nvPicPr>
+          <p:cNvPr id="8" name="Picture 7">
+            <a:extLst>
+              <a:ext uri="{FF2B5EF4-FFF2-40B4-BE49-F238E27FC236}">
+                <a16:creationId xmlns:a16="http://schemas.microsoft.com/office/drawing/2014/main" id="{B030DA9E-FAC9-46D6-036A-A1BDCF481DD3}"/>
+              </a:ext>
+            </a:extLst>
+          </p:cNvPr>
+          <p:cNvPicPr>
+            <a:picLocks noChangeAspect="1"/>
+          </p:cNvPicPr>
+          <p:nvPr/>
+        </p:nvPicPr>
+        <p:blipFill>
+          <a:blip r:embed="rId3"/>
+          <a:stretch>
+            <a:fillRect/>
+          </a:stretch>
+        </p:blipFill>
+        <p:spPr>
+          <a:xfrm>
+            <a:off x="2951035" y="2524662"/>
+            <a:ext cx="3241929" cy="3660629"/>
+          </a:xfrm>
+          <a:prstGeom prst="rect">
+            <a:avLst/>
+          </a:prstGeom>
+        </p:spPr>
+      </p:pic>
+    </p:spTree>
+    <p:extLst>
+      <p:ext uri="{BB962C8B-B14F-4D97-AF65-F5344CB8AC3E}">
+        <p14:creationId xmlns:p14="http://schemas.microsoft.com/office/powerpoint/2010/main" val="2437553904"/>
+      </p:ext>
+    </p:extLst>
+  </p:cSld>
+  <p:clrMapOvr>
+    <a:masterClrMapping/>
+  </p:clrMapOvr>
+  <p:timing>
+    <p:tnLst>
+      <p:par>
+        <p:cTn id="1" dur="indefinite" restart="never" nodeType="tmRoot">
+          <p:childTnLst>
+            <p:seq concurrent="1" nextAc="seek">
+              <p:cTn id="2" dur="indefinite" nodeType="mainSeq">
+                <p:childTnLst>
+                  <p:par>
+                    <p:cTn id="3" fill="hold">
+                      <p:stCondLst>
+                        <p:cond delay="indefinite"/>
+                      </p:stCondLst>
+                      <p:childTnLst>
+                        <p:par>
+                          <p:cTn id="4" fill="hold">
+                            <p:stCondLst>
+                              <p:cond delay="0"/>
+                            </p:stCondLst>
+                            <p:childTnLst>
+                              <p:par>
+                                <p:cTn id="5" presetID="45" presetClass="entr" presetSubtype="0" fill="hold" nodeType="clickEffect">
+                                  <p:stCondLst>
+                                    <p:cond delay="0"/>
+                                  </p:stCondLst>
+                                  <p:childTnLst>
+                                    <p:set>
+                                      <p:cBhvr>
+                                        <p:cTn id="6" dur="1" fill="hold">
+                                          <p:stCondLst>
+                                            <p:cond delay="0"/>
+                                          </p:stCondLst>
+                                        </p:cTn>
+                                        <p:tgtEl>
+                                          <p:spTgt spid="8"/>
+                                        </p:tgtEl>
+                                        <p:attrNameLst>
+                                          <p:attrName>style.visibility</p:attrName>
+                                        </p:attrNameLst>
+                                      </p:cBhvr>
+                                      <p:to>
+                                        <p:strVal val="visible"/>
+                                      </p:to>
+                                    </p:set>
+                                    <p:animEffect transition="in" filter="fade">
+                                      <p:cBhvr>
+                                        <p:cTn id="7" dur="3000"/>
+                                        <p:tgtEl>
+                                          <p:spTgt spid="8"/>
+                                        </p:tgtEl>
+                                      </p:cBhvr>
+                                    </p:animEffect>
+                                    <p:anim calcmode="lin" valueType="num">
+                                      <p:cBhvr>
+                                        <p:cTn id="8" dur="3000" fill="hold"/>
+                                        <p:tgtEl>
+                                          <p:spTgt spid="8"/>
+                                        </p:tgtEl>
+                                        <p:attrNameLst>
+                                          <p:attrName>ppt_w</p:attrName>
+                                        </p:attrNameLst>
+                                      </p:cBhvr>
+                                      <p:tavLst>
+                                        <p:tav tm="0" fmla="#ppt_w*sin(2.5*pi*$)">
+                                          <p:val>
+                                            <p:fltVal val="0"/>
+                                          </p:val>
+                                        </p:tav>
+                                        <p:tav tm="100000">
+                                          <p:val>
+                                            <p:fltVal val="1"/>
+                                          </p:val>
+                                        </p:tav>
+                                      </p:tavLst>
+                                    </p:anim>
+                                    <p:anim calcmode="lin" valueType="num">
+                                      <p:cBhvr>
+                                        <p:cTn id="9" dur="3000" fill="hold"/>
+                                        <p:tgtEl>
+                                          <p:spTgt spid="8"/>
+                                        </p:tgtEl>
+                                        <p:attrNameLst>
+                                          <p:attrName>ppt_h</p:attrName>
+                                        </p:attrNameLst>
+                                      </p:cBhvr>
+                                      <p:tavLst>
+                                        <p:tav tm="0">
+                                          <p:val>
+                                            <p:strVal val="#ppt_h"/>
+                                          </p:val>
+                                        </p:tav>
+                                        <p:tav tm="100000">
+                                          <p:val>
+                                            <p:strVal val="#ppt_h"/>
+                                          </p:val>
+                                        </p:tav>
+                                      </p:tavLst>
+                                    </p:anim>
+                                  </p:childTnLst>
+                                </p:cTn>
+                              </p:par>
+                            </p:childTnLst>
+                          </p:cTn>
+                        </p:par>
+                      </p:childTnLst>
+                    </p:cTn>
+                  </p:par>
+                </p:childTnLst>
+              </p:cTn>
+              <p:prevCondLst>
+                <p:cond evt="onPrev" delay="0">
+                  <p:tgtEl>
+                    <p:sldTgt/>
+                  </p:tgtEl>
+                </p:cond>
+              </p:prevCondLst>
+              <p:nextCondLst>
+                <p:cond evt="onNext" delay="0">
+                  <p:tgtEl>
+                    <p:sldTgt/>
+                  </p:tgtEl>
+                </p:cond>
+              </p:nextCondLst>
+            </p:seq>
+          </p:childTnLst>
+        </p:cTn>
+      </p:par>
+    </p:tnLst>
+  </p:timing>
+</p:sld>
+</file>
+
 <file path=ppt/tags/tag1.xml><?xml version="1.0" encoding="utf-8"?>
 <p:tagLst xmlns:a="http://schemas.openxmlformats.org/drawingml/2006/main" xmlns:r="http://schemas.openxmlformats.org/officeDocument/2006/relationships" xmlns:p="http://schemas.openxmlformats.org/presentationml/2006/main">
   <p:tag name="SLIDO_APP_VERSION" val="0.18.1.1630"/>
   <p:tag name="SLIDO_PRESENTATION_ID" val="00000000-0000-0000-0000-000000000000"/>
   <p:tag name="SLIDO_EVENT_UUID" val="d10d56c9-69e5-4027-9396-bde44ef021c7"/>
   <p:tag name="SLIDO_EVENT_SECTION_UUID" val="ceeec140-f1da-4255-bab9-6e79eca8c3d7"/>
-</p:tagLst>
-</file>
-
-<file path=ppt/tags/tag10.xml><?xml version="1.0" encoding="utf-8"?>
-<p:tagLst xmlns:a="http://schemas.openxmlformats.org/drawingml/2006/main" xmlns:r="http://schemas.openxmlformats.org/officeDocument/2006/relationships" xmlns:p="http://schemas.openxmlformats.org/presentationml/2006/main">
-  <p:tag name="SLIDO_METADATA" val="eyJUaW1lc3RhbXAiOjE2MjAxNzQ3MjJ9"/>
-  <p:tag name="SLIDO_TYPE" val="SlidoPoll"/>
-  <p:tag name="SLIDO_POLL_UUID" val="897301cf-7c75-4fa9-b609-50b945d0d96e"/>
-  <p:tag name="SLIDO_TIMELINE" val="W3sicG9sbFF1ZXN0aW9uVXVpZCI6ImEzYTkzYzlkLTc1MmMtNDJhNy04NjRkLTBjMzM5NjIwNjkzNyIsInNob3dSZXN1bHRzIjpmYWxzZSwic2hvd0NvcnJlY3RBbnN3ZXJzIjpmYWxzZSwidm90aW5nTG9ja2VkIjpmYWxzZX0seyJwb2xsUXVlc3Rpb25VdWlkIjoiYTNhOTNjOWQtNzUyYy00MmE3LTg2NGQtMGMzMzk2MjA2OTM3Iiwic2hvd1Jlc3VsdHMiOnRydWUsInNob3dDb3JyZWN0QW5zd2VycyI6dHJ1ZSwidm90aW5nTG9ja2VkIjpmYWxzZX1d"/>
-</p:tagLst>
-</file>
-
-<file path=ppt/tags/tag11.xml><?xml version="1.0" encoding="utf-8"?>
-<p:tagLst xmlns:a="http://schemas.openxmlformats.org/drawingml/2006/main" xmlns:r="http://schemas.openxmlformats.org/officeDocument/2006/relationships" xmlns:p="http://schemas.openxmlformats.org/presentationml/2006/main">
-  <p:tag name="SLIDO_ELEMENT" val="logo"/>
-</p:tagLst>
-</file>
-
-<file path=ppt/tags/tag12.xml><?xml version="1.0" encoding="utf-8"?>
-<p:tagLst xmlns:a="http://schemas.openxmlformats.org/drawingml/2006/main" xmlns:r="http://schemas.openxmlformats.org/officeDocument/2006/relationships" xmlns:p="http://schemas.openxmlformats.org/presentationml/2006/main">
-  <p:tag name="SLIDO_ELEMENT" val="title"/>
-</p:tagLst>
-</file>
-
-<file path=ppt/tags/tag13.xml><?xml version="1.0" encoding="utf-8"?>
-<p:tagLst xmlns:a="http://schemas.openxmlformats.org/drawingml/2006/main" xmlns:r="http://schemas.openxmlformats.org/officeDocument/2006/relationships" xmlns:p="http://schemas.openxmlformats.org/presentationml/2006/main">
-  <p:tag name="SLIDO_ELEMENT" val="footer"/>
-</p:tagLst>
-</file>
-
-<file path=ppt/tags/tag2.xml><?xml version="1.0" encoding="utf-8"?>
-<p:tagLst xmlns:a="http://schemas.openxmlformats.org/drawingml/2006/main" xmlns:r="http://schemas.openxmlformats.org/officeDocument/2006/relationships" xmlns:p="http://schemas.openxmlformats.org/presentationml/2006/main">
-  <p:tag name="SLIDO_METADATA" val="eyJUaW1lc3RhbXAiOjE2MjAxNzM5ODZ9"/>
-  <p:tag name="SLIDO_TYPE" val="SlidoPoll"/>
-  <p:tag name="SLIDO_POLL_UUID" val="b00df1ba-0718-4a66-a2a4-c0d5d8988971"/>
-  <p:tag name="SLIDO_TIMELINE" val="W3sicG9sbFF1ZXN0aW9uVXVpZCI6IjAzZTQxZDZmLWMwYWEtNDI1Ni05ZTMyLTYzZDU4ODkxOWJkNyIsInNob3dSZXN1bHRzIjpmYWxzZSwic2hvd0NvcnJlY3RBbnN3ZXJzIjpmYWxzZSwidm90aW5nTG9ja2VkIjpmYWxzZX0seyJwb2xsUXVlc3Rpb25VdWlkIjoiMDNlNDFkNmYtYzBhYS00MjU2LTllMzItNjNkNTg4OTE5YmQ3Iiwic2hvd1Jlc3VsdHMiOnRydWUsInNob3dDb3JyZWN0QW5zd2VycyI6ZmFsc2UsInZvdGluZ0xvY2tlZCI6ZmFsc2V9XQ=="/>
-</p:tagLst>
-</file>
-
-<file path=ppt/tags/tag3.xml><?xml version="1.0" encoding="utf-8"?>
-<p:tagLst xmlns:a="http://schemas.openxmlformats.org/drawingml/2006/main" xmlns:r="http://schemas.openxmlformats.org/officeDocument/2006/relationships" xmlns:p="http://schemas.openxmlformats.org/presentationml/2006/main">
-  <p:tag name="SLIDO_ELEMENT" val="logo"/>
-</p:tagLst>
-</file>
-
-<file path=ppt/tags/tag4.xml><?xml version="1.0" encoding="utf-8"?>
-<p:tagLst xmlns:a="http://schemas.openxmlformats.org/drawingml/2006/main" xmlns:r="http://schemas.openxmlformats.org/officeDocument/2006/relationships" xmlns:p="http://schemas.openxmlformats.org/presentationml/2006/main">
-  <p:tag name="SLIDO_ELEMENT" val="title"/>
-</p:tagLst>
-</file>
-
-<file path=ppt/tags/tag5.xml><?xml version="1.0" encoding="utf-8"?>
-<p:tagLst xmlns:a="http://schemas.openxmlformats.org/drawingml/2006/main" xmlns:r="http://schemas.openxmlformats.org/officeDocument/2006/relationships" xmlns:p="http://schemas.openxmlformats.org/presentationml/2006/main">
-  <p:tag name="SLIDO_ELEMENT" val="footer"/>
-</p:tagLst>
-</file>
-
-<file path=ppt/tags/tag6.xml><?xml version="1.0" encoding="utf-8"?>
-<p:tagLst xmlns:a="http://schemas.openxmlformats.org/drawingml/2006/main" xmlns:r="http://schemas.openxmlformats.org/officeDocument/2006/relationships" xmlns:p="http://schemas.openxmlformats.org/presentationml/2006/main">
-  <p:tag name="SLIDO_METADATA" val="eyJUaW1lc3RhbXAiOjE2MjAxNzEzMTN9"/>
-  <p:tag name="SLIDO_TYPE" val="SlidoPoll"/>
-  <p:tag name="SLIDO_POLL_UUID" val="6a41ce95-45a2-40f3-8cdc-d9506ae6c021"/>
-  <p:tag name="SLIDO_TIMELINE" val="W3sicG9sbFF1ZXN0aW9uVXVpZCI6ImE0NDdlNmE1LTk1YjMtNDVhMC1iNjI0LTQ2Yjk2YjQwZjdlOCIsInNob3dSZXN1bHRzIjpmYWxzZSwic2hvd0NvcnJlY3RBbnN3ZXJzIjpmYWxzZSwidm90aW5nTG9ja2VkIjpmYWxzZX0seyJwb2xsUXVlc3Rpb25VdWlkIjoiYTQ0N2U2YTUtOTViMy00NWEwLWI2MjQtNDZiOTZiNDBmN2U4Iiwic2hvd1Jlc3VsdHMiOnRydWUsInNob3dDb3JyZWN0QW5zd2VycyI6ZmFsc2UsInZvdGluZ0xvY2tlZCI6ZmFsc2V9XQ=="/>
-</p:tagLst>
-</file>
-
-<file path=ppt/tags/tag7.xml><?xml version="1.0" encoding="utf-8"?>
-<p:tagLst xmlns:a="http://schemas.openxmlformats.org/drawingml/2006/main" xmlns:r="http://schemas.openxmlformats.org/officeDocument/2006/relationships" xmlns:p="http://schemas.openxmlformats.org/presentationml/2006/main">
-  <p:tag name="SLIDO_ELEMENT" val="logo"/>
-</p:tagLst>
-</file>
-
-<file path=ppt/tags/tag8.xml><?xml version="1.0" encoding="utf-8"?>
-<p:tagLst xmlns:a="http://schemas.openxmlformats.org/drawingml/2006/main" xmlns:r="http://schemas.openxmlformats.org/officeDocument/2006/relationships" xmlns:p="http://schemas.openxmlformats.org/presentationml/2006/main">
-  <p:tag name="SLIDO_ELEMENT" val="title"/>
-</p:tagLst>
-</file>
-
-<file path=ppt/tags/tag9.xml><?xml version="1.0" encoding="utf-8"?>
-<p:tagLst xmlns:a="http://schemas.openxmlformats.org/drawingml/2006/main" xmlns:r="http://schemas.openxmlformats.org/officeDocument/2006/relationships" xmlns:p="http://schemas.openxmlformats.org/presentationml/2006/main">
-  <p:tag name="SLIDO_ELEMENT" val="footer"/>
 </p:tagLst>
 </file>
 
